--- a/Erdi_ProjectWork/Project_Presentation.pptx
+++ b/Erdi_ProjectWork/Project_Presentation.pptx
@@ -6330,7 +6330,7 @@
         </p:nvSpPr>
         <p:spPr>
           <a:xfrm>
-            <a:off x="1115568" y="2478024"/>
+            <a:off x="795972" y="2478024"/>
             <a:ext cx="10168128" cy="3831336"/>
           </a:xfrm>
         </p:spPr>
@@ -6348,206 +6348,6 @@
                 <a:spcPts val="800"/>
               </a:spcAft>
             </a:pPr>
-            <a:r>
-              <a:rPr lang="tr-TR" kern="100" dirty="0">
-                <a:effectLst/>
-                <a:latin typeface="+mj-lt"/>
-                <a:ea typeface="Calibri" panose="020F0502020204030204" pitchFamily="34" charset="0"/>
-                <a:cs typeface="Times New Roman" panose="02020603050405020304" pitchFamily="18" charset="0"/>
-              </a:rPr>
-              <a:t>A </a:t>
-            </a:r>
-            <a:r>
-              <a:rPr lang="tr-TR" kern="100" dirty="0" err="1">
-                <a:effectLst/>
-                <a:latin typeface="+mj-lt"/>
-                <a:ea typeface="Calibri" panose="020F0502020204030204" pitchFamily="34" charset="0"/>
-                <a:cs typeface="Times New Roman" panose="02020603050405020304" pitchFamily="18" charset="0"/>
-              </a:rPr>
-              <a:t>Hierarchical</a:t>
-            </a:r>
-            <a:r>
-              <a:rPr lang="tr-TR" kern="100" dirty="0">
-                <a:effectLst/>
-                <a:latin typeface="+mj-lt"/>
-                <a:ea typeface="Calibri" panose="020F0502020204030204" pitchFamily="34" charset="0"/>
-                <a:cs typeface="Times New Roman" panose="02020603050405020304" pitchFamily="18" charset="0"/>
-              </a:rPr>
-              <a:t> Temporal Memory (HTM) </a:t>
-            </a:r>
-            <a:r>
-              <a:rPr lang="tr-TR" kern="100" dirty="0" err="1">
-                <a:effectLst/>
-                <a:latin typeface="+mj-lt"/>
-                <a:ea typeface="Calibri" panose="020F0502020204030204" pitchFamily="34" charset="0"/>
-                <a:cs typeface="Times New Roman" panose="02020603050405020304" pitchFamily="18" charset="0"/>
-              </a:rPr>
-              <a:t>serializer</a:t>
-            </a:r>
-            <a:r>
-              <a:rPr lang="tr-TR" kern="100" dirty="0">
-                <a:effectLst/>
-                <a:latin typeface="+mj-lt"/>
-                <a:ea typeface="Calibri" panose="020F0502020204030204" pitchFamily="34" charset="0"/>
-                <a:cs typeface="Times New Roman" panose="02020603050405020304" pitchFamily="18" charset="0"/>
-              </a:rPr>
-              <a:t> is a software </a:t>
-            </a:r>
-            <a:r>
-              <a:rPr lang="tr-TR" kern="100" dirty="0" err="1">
-                <a:effectLst/>
-                <a:latin typeface="+mj-lt"/>
-                <a:ea typeface="Calibri" panose="020F0502020204030204" pitchFamily="34" charset="0"/>
-                <a:cs typeface="Times New Roman" panose="02020603050405020304" pitchFamily="18" charset="0"/>
-              </a:rPr>
-              <a:t>component</a:t>
-            </a:r>
-            <a:r>
-              <a:rPr lang="tr-TR" kern="100" dirty="0">
-                <a:effectLst/>
-                <a:latin typeface="+mj-lt"/>
-                <a:ea typeface="Calibri" panose="020F0502020204030204" pitchFamily="34" charset="0"/>
-                <a:cs typeface="Times New Roman" panose="02020603050405020304" pitchFamily="18" charset="0"/>
-              </a:rPr>
-              <a:t> </a:t>
-            </a:r>
-            <a:r>
-              <a:rPr lang="tr-TR" kern="100" dirty="0" err="1">
-                <a:effectLst/>
-                <a:latin typeface="+mj-lt"/>
-                <a:ea typeface="Calibri" panose="020F0502020204030204" pitchFamily="34" charset="0"/>
-                <a:cs typeface="Times New Roman" panose="02020603050405020304" pitchFamily="18" charset="0"/>
-              </a:rPr>
-              <a:t>that</a:t>
-            </a:r>
-            <a:r>
-              <a:rPr lang="tr-TR" kern="100" dirty="0">
-                <a:effectLst/>
-                <a:latin typeface="+mj-lt"/>
-                <a:ea typeface="Calibri" panose="020F0502020204030204" pitchFamily="34" charset="0"/>
-                <a:cs typeface="Times New Roman" panose="02020603050405020304" pitchFamily="18" charset="0"/>
-              </a:rPr>
-              <a:t> is </a:t>
-            </a:r>
-            <a:r>
-              <a:rPr lang="tr-TR" kern="100" dirty="0" err="1">
-                <a:effectLst/>
-                <a:latin typeface="+mj-lt"/>
-                <a:ea typeface="Calibri" panose="020F0502020204030204" pitchFamily="34" charset="0"/>
-                <a:cs typeface="Times New Roman" panose="02020603050405020304" pitchFamily="18" charset="0"/>
-              </a:rPr>
-              <a:t>designed</a:t>
-            </a:r>
-            <a:r>
-              <a:rPr lang="tr-TR" kern="100" dirty="0">
-                <a:effectLst/>
-                <a:latin typeface="+mj-lt"/>
-                <a:ea typeface="Calibri" panose="020F0502020204030204" pitchFamily="34" charset="0"/>
-                <a:cs typeface="Times New Roman" panose="02020603050405020304" pitchFamily="18" charset="0"/>
-              </a:rPr>
-              <a:t> </a:t>
-            </a:r>
-            <a:r>
-              <a:rPr lang="tr-TR" kern="100" dirty="0" err="1">
-                <a:effectLst/>
-                <a:latin typeface="+mj-lt"/>
-                <a:ea typeface="Calibri" panose="020F0502020204030204" pitchFamily="34" charset="0"/>
-                <a:cs typeface="Times New Roman" panose="02020603050405020304" pitchFamily="18" charset="0"/>
-              </a:rPr>
-              <a:t>to</a:t>
-            </a:r>
-            <a:r>
-              <a:rPr lang="tr-TR" kern="100" dirty="0">
-                <a:effectLst/>
-                <a:latin typeface="+mj-lt"/>
-                <a:ea typeface="Calibri" panose="020F0502020204030204" pitchFamily="34" charset="0"/>
-                <a:cs typeface="Times New Roman" panose="02020603050405020304" pitchFamily="18" charset="0"/>
-              </a:rPr>
-              <a:t> </a:t>
-            </a:r>
-            <a:r>
-              <a:rPr lang="tr-TR" kern="100" dirty="0" err="1">
-                <a:effectLst/>
-                <a:latin typeface="+mj-lt"/>
-                <a:ea typeface="Calibri" panose="020F0502020204030204" pitchFamily="34" charset="0"/>
-                <a:cs typeface="Times New Roman" panose="02020603050405020304" pitchFamily="18" charset="0"/>
-              </a:rPr>
-              <a:t>convert</a:t>
-            </a:r>
-            <a:r>
-              <a:rPr lang="tr-TR" kern="100" dirty="0">
-                <a:effectLst/>
-                <a:latin typeface="+mj-lt"/>
-                <a:ea typeface="Calibri" panose="020F0502020204030204" pitchFamily="34" charset="0"/>
-                <a:cs typeface="Times New Roman" panose="02020603050405020304" pitchFamily="18" charset="0"/>
-              </a:rPr>
-              <a:t> HTM </a:t>
-            </a:r>
-            <a:r>
-              <a:rPr lang="tr-TR" kern="100" dirty="0" err="1">
-                <a:effectLst/>
-                <a:latin typeface="+mj-lt"/>
-                <a:ea typeface="Calibri" panose="020F0502020204030204" pitchFamily="34" charset="0"/>
-                <a:cs typeface="Times New Roman" panose="02020603050405020304" pitchFamily="18" charset="0"/>
-              </a:rPr>
-              <a:t>objects</a:t>
-            </a:r>
-            <a:r>
-              <a:rPr lang="tr-TR" kern="100" dirty="0">
-                <a:effectLst/>
-                <a:latin typeface="+mj-lt"/>
-                <a:ea typeface="Calibri" panose="020F0502020204030204" pitchFamily="34" charset="0"/>
-                <a:cs typeface="Times New Roman" panose="02020603050405020304" pitchFamily="18" charset="0"/>
-              </a:rPr>
-              <a:t> </a:t>
-            </a:r>
-            <a:r>
-              <a:rPr lang="tr-TR" kern="100" dirty="0" err="1">
-                <a:effectLst/>
-                <a:latin typeface="+mj-lt"/>
-                <a:ea typeface="Calibri" panose="020F0502020204030204" pitchFamily="34" charset="0"/>
-                <a:cs typeface="Times New Roman" panose="02020603050405020304" pitchFamily="18" charset="0"/>
-              </a:rPr>
-              <a:t>into</a:t>
-            </a:r>
-            <a:r>
-              <a:rPr lang="tr-TR" kern="100" dirty="0">
-                <a:effectLst/>
-                <a:latin typeface="+mj-lt"/>
-                <a:ea typeface="Calibri" panose="020F0502020204030204" pitchFamily="34" charset="0"/>
-                <a:cs typeface="Times New Roman" panose="02020603050405020304" pitchFamily="18" charset="0"/>
-              </a:rPr>
-              <a:t> a </a:t>
-            </a:r>
-            <a:r>
-              <a:rPr lang="tr-TR" kern="100" dirty="0" err="1">
-                <a:effectLst/>
-                <a:latin typeface="+mj-lt"/>
-                <a:ea typeface="Calibri" panose="020F0502020204030204" pitchFamily="34" charset="0"/>
-                <a:cs typeface="Times New Roman" panose="02020603050405020304" pitchFamily="18" charset="0"/>
-              </a:rPr>
-              <a:t>serialized</a:t>
-            </a:r>
-            <a:r>
-              <a:rPr lang="tr-TR" kern="100" dirty="0">
-                <a:effectLst/>
-                <a:latin typeface="+mj-lt"/>
-                <a:ea typeface="Calibri" panose="020F0502020204030204" pitchFamily="34" charset="0"/>
-                <a:cs typeface="Times New Roman" panose="02020603050405020304" pitchFamily="18" charset="0"/>
-              </a:rPr>
-              <a:t> format. </a:t>
-            </a:r>
-          </a:p>
-          <a:p>
-            <a:pPr marL="0" indent="0">
-              <a:lnSpc>
-                <a:spcPct val="107000"/>
-              </a:lnSpc>
-              <a:spcAft>
-                <a:spcPts val="800"/>
-              </a:spcAft>
-              <a:buNone/>
-            </a:pPr>
             <a:endParaRPr lang="tr-TR" kern="100" dirty="0">
               <a:effectLst/>
               <a:latin typeface="+mj-lt"/>
@@ -6564,6 +6364,21 @@
                 <a:spcPts val="800"/>
               </a:spcAft>
             </a:pPr>
+            <a:endParaRPr lang="tr-TR" kern="100" dirty="0">
+              <a:latin typeface="+mj-lt"/>
+              <a:ea typeface="Calibri" panose="020F0502020204030204" pitchFamily="34" charset="0"/>
+              <a:cs typeface="Times New Roman" panose="02020603050405020304" pitchFamily="18" charset="0"/>
+            </a:endParaRPr>
+          </a:p>
+          <a:p>
+            <a:pPr>
+              <a:lnSpc>
+                <a:spcPct val="107000"/>
+              </a:lnSpc>
+              <a:spcAft>
+                <a:spcPts val="800"/>
+              </a:spcAft>
+            </a:pPr>
             <a:r>
               <a:rPr lang="tr-TR" kern="100" dirty="0">
                 <a:effectLst/>
@@ -6571,7 +6386,7 @@
                 <a:ea typeface="Calibri" panose="020F0502020204030204" pitchFamily="34" charset="0"/>
                 <a:cs typeface="Times New Roman" panose="02020603050405020304" pitchFamily="18" charset="0"/>
               </a:rPr>
-              <a:t>HTM is a </a:t>
+              <a:t>A </a:t>
             </a:r>
             <a:r>
               <a:rPr lang="tr-TR" kern="100" dirty="0" err="1">
@@ -6580,7 +6395,7 @@
                 <a:ea typeface="Calibri" panose="020F0502020204030204" pitchFamily="34" charset="0"/>
                 <a:cs typeface="Times New Roman" panose="02020603050405020304" pitchFamily="18" charset="0"/>
               </a:rPr>
-              <a:t>machine</a:t>
+              <a:t>Hierarchical</a:t>
             </a:r>
             <a:r>
               <a:rPr lang="tr-TR" kern="100" dirty="0">
@@ -6589,6 +6404,42 @@
                 <a:ea typeface="Calibri" panose="020F0502020204030204" pitchFamily="34" charset="0"/>
                 <a:cs typeface="Times New Roman" panose="02020603050405020304" pitchFamily="18" charset="0"/>
               </a:rPr>
+              <a:t> Temporal Memory (HTM) </a:t>
+            </a:r>
+            <a:r>
+              <a:rPr lang="tr-TR" kern="100" dirty="0" err="1">
+                <a:effectLst/>
+                <a:latin typeface="+mj-lt"/>
+                <a:ea typeface="Calibri" panose="020F0502020204030204" pitchFamily="34" charset="0"/>
+                <a:cs typeface="Times New Roman" panose="02020603050405020304" pitchFamily="18" charset="0"/>
+              </a:rPr>
+              <a:t>serializer</a:t>
+            </a:r>
+            <a:r>
+              <a:rPr lang="tr-TR" kern="100" dirty="0">
+                <a:effectLst/>
+                <a:latin typeface="+mj-lt"/>
+                <a:ea typeface="Calibri" panose="020F0502020204030204" pitchFamily="34" charset="0"/>
+                <a:cs typeface="Times New Roman" panose="02020603050405020304" pitchFamily="18" charset="0"/>
+              </a:rPr>
+              <a:t> is a software </a:t>
+            </a:r>
+            <a:r>
+              <a:rPr lang="tr-TR" kern="100" dirty="0" err="1">
+                <a:effectLst/>
+                <a:latin typeface="+mj-lt"/>
+                <a:ea typeface="Calibri" panose="020F0502020204030204" pitchFamily="34" charset="0"/>
+                <a:cs typeface="Times New Roman" panose="02020603050405020304" pitchFamily="18" charset="0"/>
+              </a:rPr>
+              <a:t>component</a:t>
+            </a:r>
+            <a:r>
+              <a:rPr lang="tr-TR" kern="100" dirty="0">
+                <a:effectLst/>
+                <a:latin typeface="+mj-lt"/>
+                <a:ea typeface="Calibri" panose="020F0502020204030204" pitchFamily="34" charset="0"/>
+                <a:cs typeface="Times New Roman" panose="02020603050405020304" pitchFamily="18" charset="0"/>
+              </a:rPr>
               <a:t> </a:t>
             </a:r>
             <a:r>
@@ -6598,7 +6449,7 @@
                 <a:ea typeface="Calibri" panose="020F0502020204030204" pitchFamily="34" charset="0"/>
                 <a:cs typeface="Times New Roman" panose="02020603050405020304" pitchFamily="18" charset="0"/>
               </a:rPr>
-              <a:t>learning</a:t>
+              <a:t>that</a:t>
             </a:r>
             <a:r>
               <a:rPr lang="tr-TR" kern="100" dirty="0">
@@ -6607,6 +6458,24 @@
                 <a:ea typeface="Calibri" panose="020F0502020204030204" pitchFamily="34" charset="0"/>
                 <a:cs typeface="Times New Roman" panose="02020603050405020304" pitchFamily="18" charset="0"/>
               </a:rPr>
+              <a:t> is </a:t>
+            </a:r>
+            <a:r>
+              <a:rPr lang="tr-TR" kern="100" dirty="0" err="1">
+                <a:effectLst/>
+                <a:latin typeface="+mj-lt"/>
+                <a:ea typeface="Calibri" panose="020F0502020204030204" pitchFamily="34" charset="0"/>
+                <a:cs typeface="Times New Roman" panose="02020603050405020304" pitchFamily="18" charset="0"/>
+              </a:rPr>
+              <a:t>designed</a:t>
+            </a:r>
+            <a:r>
+              <a:rPr lang="tr-TR" kern="100" dirty="0">
+                <a:effectLst/>
+                <a:latin typeface="+mj-lt"/>
+                <a:ea typeface="Calibri" panose="020F0502020204030204" pitchFamily="34" charset="0"/>
+                <a:cs typeface="Times New Roman" panose="02020603050405020304" pitchFamily="18" charset="0"/>
+              </a:rPr>
               <a:t> </a:t>
             </a:r>
             <a:r>
@@ -6616,7 +6485,7 @@
                 <a:ea typeface="Calibri" panose="020F0502020204030204" pitchFamily="34" charset="0"/>
                 <a:cs typeface="Times New Roman" panose="02020603050405020304" pitchFamily="18" charset="0"/>
               </a:rPr>
-              <a:t>algorithm</a:t>
+              <a:t>to</a:t>
             </a:r>
             <a:r>
               <a:rPr lang="tr-TR" kern="100" dirty="0">
@@ -6634,7 +6503,7 @@
                 <a:ea typeface="Calibri" panose="020F0502020204030204" pitchFamily="34" charset="0"/>
                 <a:cs typeface="Times New Roman" panose="02020603050405020304" pitchFamily="18" charset="0"/>
               </a:rPr>
-              <a:t>developed</a:t>
+              <a:t>convert</a:t>
             </a:r>
             <a:r>
               <a:rPr lang="tr-TR" kern="100" dirty="0">
@@ -6643,6 +6512,24 @@
                 <a:ea typeface="Calibri" panose="020F0502020204030204" pitchFamily="34" charset="0"/>
                 <a:cs typeface="Times New Roman" panose="02020603050405020304" pitchFamily="18" charset="0"/>
               </a:rPr>
+              <a:t> HTM </a:t>
+            </a:r>
+            <a:r>
+              <a:rPr lang="tr-TR" kern="100" dirty="0" err="1">
+                <a:effectLst/>
+                <a:latin typeface="+mj-lt"/>
+                <a:ea typeface="Calibri" panose="020F0502020204030204" pitchFamily="34" charset="0"/>
+                <a:cs typeface="Times New Roman" panose="02020603050405020304" pitchFamily="18" charset="0"/>
+              </a:rPr>
+              <a:t>objects</a:t>
+            </a:r>
+            <a:r>
+              <a:rPr lang="tr-TR" kern="100" dirty="0">
+                <a:effectLst/>
+                <a:latin typeface="+mj-lt"/>
+                <a:ea typeface="Calibri" panose="020F0502020204030204" pitchFamily="34" charset="0"/>
+                <a:cs typeface="Times New Roman" panose="02020603050405020304" pitchFamily="18" charset="0"/>
+              </a:rPr>
               <a:t> </a:t>
             </a:r>
             <a:r>
@@ -6652,7 +6539,7 @@
                 <a:ea typeface="Calibri" panose="020F0502020204030204" pitchFamily="34" charset="0"/>
                 <a:cs typeface="Times New Roman" panose="02020603050405020304" pitchFamily="18" charset="0"/>
               </a:rPr>
-              <a:t>by</a:t>
+              <a:t>into</a:t>
             </a:r>
             <a:r>
               <a:rPr lang="tr-TR" kern="100" dirty="0">
@@ -6661,7 +6548,7 @@
                 <a:ea typeface="Calibri" panose="020F0502020204030204" pitchFamily="34" charset="0"/>
                 <a:cs typeface="Times New Roman" panose="02020603050405020304" pitchFamily="18" charset="0"/>
               </a:rPr>
-              <a:t> “</a:t>
+              <a:t> a </a:t>
             </a:r>
             <a:r>
               <a:rPr lang="tr-TR" kern="100" dirty="0" err="1">
@@ -6670,7 +6557,7 @@
                 <a:ea typeface="Calibri" panose="020F0502020204030204" pitchFamily="34" charset="0"/>
                 <a:cs typeface="Times New Roman" panose="02020603050405020304" pitchFamily="18" charset="0"/>
               </a:rPr>
-              <a:t>Numenta</a:t>
+              <a:t>serialized</a:t>
             </a:r>
             <a:r>
               <a:rPr lang="tr-TR" kern="100" dirty="0">
@@ -6679,302 +6566,25 @@
                 <a:ea typeface="Calibri" panose="020F0502020204030204" pitchFamily="34" charset="0"/>
                 <a:cs typeface="Times New Roman" panose="02020603050405020304" pitchFamily="18" charset="0"/>
               </a:rPr>
-              <a:t>” </a:t>
-            </a:r>
-            <a:r>
-              <a:rPr lang="tr-TR" kern="100" dirty="0" err="1">
-                <a:effectLst/>
-                <a:latin typeface="+mj-lt"/>
-                <a:ea typeface="Calibri" panose="020F0502020204030204" pitchFamily="34" charset="0"/>
-                <a:cs typeface="Times New Roman" panose="02020603050405020304" pitchFamily="18" charset="0"/>
-              </a:rPr>
-              <a:t>that</a:t>
-            </a:r>
-            <a:r>
-              <a:rPr lang="tr-TR" kern="100" dirty="0">
-                <a:effectLst/>
-                <a:latin typeface="+mj-lt"/>
-                <a:ea typeface="Calibri" panose="020F0502020204030204" pitchFamily="34" charset="0"/>
-                <a:cs typeface="Times New Roman" panose="02020603050405020304" pitchFamily="18" charset="0"/>
-              </a:rPr>
-              <a:t> is </a:t>
-            </a:r>
-            <a:r>
-              <a:rPr lang="tr-TR" kern="100" dirty="0" err="1">
-                <a:effectLst/>
-                <a:latin typeface="+mj-lt"/>
-                <a:ea typeface="Calibri" panose="020F0502020204030204" pitchFamily="34" charset="0"/>
-                <a:cs typeface="Times New Roman" panose="02020603050405020304" pitchFamily="18" charset="0"/>
-              </a:rPr>
-              <a:t>based</a:t>
-            </a:r>
-            <a:r>
-              <a:rPr lang="tr-TR" kern="100" dirty="0">
-                <a:effectLst/>
-                <a:latin typeface="+mj-lt"/>
-                <a:ea typeface="Calibri" panose="020F0502020204030204" pitchFamily="34" charset="0"/>
-                <a:cs typeface="Times New Roman" panose="02020603050405020304" pitchFamily="18" charset="0"/>
-              </a:rPr>
-              <a:t> on </a:t>
-            </a:r>
-            <a:r>
-              <a:rPr lang="tr-TR" kern="100" dirty="0" err="1">
-                <a:effectLst/>
-                <a:latin typeface="+mj-lt"/>
-                <a:ea typeface="Calibri" panose="020F0502020204030204" pitchFamily="34" charset="0"/>
-                <a:cs typeface="Times New Roman" panose="02020603050405020304" pitchFamily="18" charset="0"/>
-              </a:rPr>
-              <a:t>principles</a:t>
-            </a:r>
-            <a:r>
-              <a:rPr lang="tr-TR" kern="100" dirty="0">
-                <a:effectLst/>
-                <a:latin typeface="+mj-lt"/>
-                <a:ea typeface="Calibri" panose="020F0502020204030204" pitchFamily="34" charset="0"/>
-                <a:cs typeface="Times New Roman" panose="02020603050405020304" pitchFamily="18" charset="0"/>
-              </a:rPr>
-              <a:t> of </a:t>
-            </a:r>
-            <a:r>
-              <a:rPr lang="tr-TR" kern="100" dirty="0" err="1">
-                <a:effectLst/>
-                <a:latin typeface="+mj-lt"/>
-                <a:ea typeface="Calibri" panose="020F0502020204030204" pitchFamily="34" charset="0"/>
-                <a:cs typeface="Times New Roman" panose="02020603050405020304" pitchFamily="18" charset="0"/>
-              </a:rPr>
-              <a:t>neuroscience</a:t>
-            </a:r>
-            <a:r>
-              <a:rPr lang="tr-TR" kern="100" dirty="0">
-                <a:effectLst/>
-                <a:latin typeface="+mj-lt"/>
-                <a:ea typeface="Calibri" panose="020F0502020204030204" pitchFamily="34" charset="0"/>
-                <a:cs typeface="Times New Roman" panose="02020603050405020304" pitchFamily="18" charset="0"/>
-              </a:rPr>
-              <a:t> </a:t>
-            </a:r>
-            <a:r>
-              <a:rPr lang="tr-TR" kern="100" dirty="0" err="1">
-                <a:effectLst/>
-                <a:latin typeface="+mj-lt"/>
-                <a:ea typeface="Calibri" panose="020F0502020204030204" pitchFamily="34" charset="0"/>
-                <a:cs typeface="Times New Roman" panose="02020603050405020304" pitchFamily="18" charset="0"/>
-              </a:rPr>
-              <a:t>and</a:t>
-            </a:r>
-            <a:r>
-              <a:rPr lang="tr-TR" kern="100" dirty="0">
-                <a:effectLst/>
-                <a:latin typeface="+mj-lt"/>
-                <a:ea typeface="Calibri" panose="020F0502020204030204" pitchFamily="34" charset="0"/>
-                <a:cs typeface="Times New Roman" panose="02020603050405020304" pitchFamily="18" charset="0"/>
-              </a:rPr>
-              <a:t> is </a:t>
-            </a:r>
-            <a:r>
-              <a:rPr lang="tr-TR" kern="100" dirty="0" err="1">
-                <a:effectLst/>
-                <a:latin typeface="+mj-lt"/>
-                <a:ea typeface="Calibri" panose="020F0502020204030204" pitchFamily="34" charset="0"/>
-                <a:cs typeface="Times New Roman" panose="02020603050405020304" pitchFamily="18" charset="0"/>
-              </a:rPr>
-              <a:t>designed</a:t>
-            </a:r>
-            <a:r>
-              <a:rPr lang="tr-TR" kern="100" dirty="0">
-                <a:effectLst/>
-                <a:latin typeface="+mj-lt"/>
-                <a:ea typeface="Calibri" panose="020F0502020204030204" pitchFamily="34" charset="0"/>
-                <a:cs typeface="Times New Roman" panose="02020603050405020304" pitchFamily="18" charset="0"/>
-              </a:rPr>
-              <a:t> </a:t>
-            </a:r>
-            <a:r>
-              <a:rPr lang="tr-TR" kern="100" dirty="0" err="1">
-                <a:effectLst/>
-                <a:latin typeface="+mj-lt"/>
-                <a:ea typeface="Calibri" panose="020F0502020204030204" pitchFamily="34" charset="0"/>
-                <a:cs typeface="Times New Roman" panose="02020603050405020304" pitchFamily="18" charset="0"/>
-              </a:rPr>
-              <a:t>to</a:t>
-            </a:r>
-            <a:r>
-              <a:rPr lang="tr-TR" kern="100" dirty="0">
-                <a:effectLst/>
-                <a:latin typeface="+mj-lt"/>
-                <a:ea typeface="Calibri" panose="020F0502020204030204" pitchFamily="34" charset="0"/>
-                <a:cs typeface="Times New Roman" panose="02020603050405020304" pitchFamily="18" charset="0"/>
-              </a:rPr>
-              <a:t> </a:t>
-            </a:r>
-            <a:r>
-              <a:rPr lang="tr-TR" kern="100" dirty="0" err="1">
-                <a:effectLst/>
-                <a:latin typeface="+mj-lt"/>
-                <a:ea typeface="Calibri" panose="020F0502020204030204" pitchFamily="34" charset="0"/>
-                <a:cs typeface="Times New Roman" panose="02020603050405020304" pitchFamily="18" charset="0"/>
-              </a:rPr>
-              <a:t>recognize</a:t>
-            </a:r>
-            <a:r>
-              <a:rPr lang="tr-TR" kern="100" dirty="0">
-                <a:effectLst/>
-                <a:latin typeface="+mj-lt"/>
-                <a:ea typeface="Calibri" panose="020F0502020204030204" pitchFamily="34" charset="0"/>
-                <a:cs typeface="Times New Roman" panose="02020603050405020304" pitchFamily="18" charset="0"/>
-              </a:rPr>
-              <a:t> </a:t>
-            </a:r>
-            <a:r>
-              <a:rPr lang="tr-TR" kern="100" dirty="0" err="1">
-                <a:effectLst/>
-                <a:latin typeface="+mj-lt"/>
-                <a:ea typeface="Calibri" panose="020F0502020204030204" pitchFamily="34" charset="0"/>
-                <a:cs typeface="Times New Roman" panose="02020603050405020304" pitchFamily="18" charset="0"/>
-              </a:rPr>
-              <a:t>patterns</a:t>
-            </a:r>
-            <a:r>
-              <a:rPr lang="tr-TR" kern="100" dirty="0">
-                <a:effectLst/>
-                <a:latin typeface="+mj-lt"/>
-                <a:ea typeface="Calibri" panose="020F0502020204030204" pitchFamily="34" charset="0"/>
-                <a:cs typeface="Times New Roman" panose="02020603050405020304" pitchFamily="18" charset="0"/>
-              </a:rPr>
-              <a:t> in data </a:t>
-            </a:r>
-            <a:r>
-              <a:rPr lang="tr-TR" kern="100" dirty="0" err="1">
-                <a:effectLst/>
-                <a:latin typeface="+mj-lt"/>
-                <a:ea typeface="Calibri" panose="020F0502020204030204" pitchFamily="34" charset="0"/>
-                <a:cs typeface="Times New Roman" panose="02020603050405020304" pitchFamily="18" charset="0"/>
-              </a:rPr>
-              <a:t>streams</a:t>
-            </a:r>
-            <a:r>
-              <a:rPr lang="tr-TR" kern="100" dirty="0">
-                <a:effectLst/>
-                <a:latin typeface="+mj-lt"/>
-                <a:ea typeface="Calibri" panose="020F0502020204030204" pitchFamily="34" charset="0"/>
-                <a:cs typeface="Times New Roman" panose="02020603050405020304" pitchFamily="18" charset="0"/>
-              </a:rPr>
-              <a:t>, </a:t>
-            </a:r>
-            <a:r>
-              <a:rPr lang="tr-TR" kern="100" dirty="0" err="1">
-                <a:effectLst/>
-                <a:latin typeface="+mj-lt"/>
-                <a:ea typeface="Calibri" panose="020F0502020204030204" pitchFamily="34" charset="0"/>
-                <a:cs typeface="Times New Roman" panose="02020603050405020304" pitchFamily="18" charset="0"/>
-              </a:rPr>
-              <a:t>such</a:t>
-            </a:r>
-            <a:r>
-              <a:rPr lang="tr-TR" kern="100" dirty="0">
-                <a:effectLst/>
-                <a:latin typeface="+mj-lt"/>
-                <a:ea typeface="Calibri" panose="020F0502020204030204" pitchFamily="34" charset="0"/>
-                <a:cs typeface="Times New Roman" panose="02020603050405020304" pitchFamily="18" charset="0"/>
-              </a:rPr>
-              <a:t> as </a:t>
-            </a:r>
-            <a:r>
-              <a:rPr lang="tr-TR" kern="100" dirty="0" err="1">
-                <a:effectLst/>
-                <a:latin typeface="+mj-lt"/>
-                <a:ea typeface="Calibri" panose="020F0502020204030204" pitchFamily="34" charset="0"/>
-                <a:cs typeface="Times New Roman" panose="02020603050405020304" pitchFamily="18" charset="0"/>
-              </a:rPr>
-              <a:t>those</a:t>
-            </a:r>
-            <a:r>
-              <a:rPr lang="tr-TR" kern="100" dirty="0">
-                <a:effectLst/>
-                <a:latin typeface="+mj-lt"/>
-                <a:ea typeface="Calibri" panose="020F0502020204030204" pitchFamily="34" charset="0"/>
-                <a:cs typeface="Times New Roman" panose="02020603050405020304" pitchFamily="18" charset="0"/>
-              </a:rPr>
-              <a:t> </a:t>
-            </a:r>
-            <a:r>
-              <a:rPr lang="tr-TR" kern="100" dirty="0" err="1">
-                <a:effectLst/>
-                <a:latin typeface="+mj-lt"/>
-                <a:ea typeface="Calibri" panose="020F0502020204030204" pitchFamily="34" charset="0"/>
-                <a:cs typeface="Times New Roman" panose="02020603050405020304" pitchFamily="18" charset="0"/>
-              </a:rPr>
-              <a:t>found</a:t>
-            </a:r>
-            <a:r>
-              <a:rPr lang="tr-TR" kern="100" dirty="0">
-                <a:effectLst/>
-                <a:latin typeface="+mj-lt"/>
-                <a:ea typeface="Calibri" panose="020F0502020204030204" pitchFamily="34" charset="0"/>
-                <a:cs typeface="Times New Roman" panose="02020603050405020304" pitchFamily="18" charset="0"/>
-              </a:rPr>
-              <a:t> in sensor data </a:t>
-            </a:r>
-            <a:r>
-              <a:rPr lang="tr-TR" kern="100" dirty="0" err="1">
-                <a:effectLst/>
-                <a:latin typeface="+mj-lt"/>
-                <a:ea typeface="Calibri" panose="020F0502020204030204" pitchFamily="34" charset="0"/>
-                <a:cs typeface="Times New Roman" panose="02020603050405020304" pitchFamily="18" charset="0"/>
-              </a:rPr>
-              <a:t>or</a:t>
-            </a:r>
-            <a:r>
-              <a:rPr lang="tr-TR" kern="100" dirty="0">
-                <a:effectLst/>
-                <a:latin typeface="+mj-lt"/>
-                <a:ea typeface="Calibri" panose="020F0502020204030204" pitchFamily="34" charset="0"/>
-                <a:cs typeface="Times New Roman" panose="02020603050405020304" pitchFamily="18" charset="0"/>
-              </a:rPr>
-              <a:t> </a:t>
-            </a:r>
-            <a:r>
-              <a:rPr lang="tr-TR" kern="100" dirty="0" err="1">
-                <a:effectLst/>
-                <a:latin typeface="+mj-lt"/>
-                <a:ea typeface="Calibri" panose="020F0502020204030204" pitchFamily="34" charset="0"/>
-                <a:cs typeface="Times New Roman" panose="02020603050405020304" pitchFamily="18" charset="0"/>
-              </a:rPr>
-              <a:t>natural</a:t>
-            </a:r>
-            <a:r>
-              <a:rPr lang="tr-TR" kern="100" dirty="0">
-                <a:effectLst/>
-                <a:latin typeface="+mj-lt"/>
-                <a:ea typeface="Calibri" panose="020F0502020204030204" pitchFamily="34" charset="0"/>
-                <a:cs typeface="Times New Roman" panose="02020603050405020304" pitchFamily="18" charset="0"/>
-              </a:rPr>
-              <a:t> </a:t>
-            </a:r>
-            <a:r>
-              <a:rPr lang="tr-TR" kern="100" dirty="0" err="1">
-                <a:effectLst/>
-                <a:latin typeface="+mj-lt"/>
-                <a:ea typeface="Calibri" panose="020F0502020204030204" pitchFamily="34" charset="0"/>
-                <a:cs typeface="Times New Roman" panose="02020603050405020304" pitchFamily="18" charset="0"/>
-              </a:rPr>
-              <a:t>language</a:t>
-            </a:r>
-            <a:r>
-              <a:rPr lang="tr-TR" kern="100" dirty="0">
-                <a:effectLst/>
-                <a:latin typeface="+mj-lt"/>
-                <a:ea typeface="Calibri" panose="020F0502020204030204" pitchFamily="34" charset="0"/>
-                <a:cs typeface="Times New Roman" panose="02020603050405020304" pitchFamily="18" charset="0"/>
-              </a:rPr>
-              <a:t>.</a:t>
+              <a:t> format. </a:t>
             </a:r>
           </a:p>
           <a:p>
             <a:pPr marL="0" indent="0">
+              <a:lnSpc>
+                <a:spcPct val="107000"/>
+              </a:lnSpc>
+              <a:spcAft>
+                <a:spcPts val="800"/>
+              </a:spcAft>
               <a:buNone/>
             </a:pPr>
-            <a:endParaRPr lang="en-IN" dirty="0"/>
+            <a:endParaRPr lang="tr-TR" kern="100" dirty="0">
+              <a:effectLst/>
+              <a:latin typeface="+mj-lt"/>
+              <a:ea typeface="Calibri" panose="020F0502020204030204" pitchFamily="34" charset="0"/>
+              <a:cs typeface="Times New Roman" panose="02020603050405020304" pitchFamily="18" charset="0"/>
+            </a:endParaRPr>
           </a:p>
         </p:txBody>
       </p:sp>
@@ -7081,6 +6691,22 @@
           </a:bodyPr>
           <a:lstStyle/>
           <a:p>
+            <a:pPr marL="0" indent="0">
+              <a:buNone/>
+            </a:pPr>
+            <a:endParaRPr lang="tr-TR" b="1" dirty="0">
+              <a:latin typeface="+mj-lt"/>
+            </a:endParaRPr>
+          </a:p>
+          <a:p>
+            <a:pPr marL="0" indent="0">
+              <a:buNone/>
+            </a:pPr>
+            <a:endParaRPr lang="tr-TR" b="1" dirty="0">
+              <a:latin typeface="+mj-lt"/>
+            </a:endParaRPr>
+          </a:p>
+          <a:p>
             <a:r>
               <a:rPr lang="tr-TR" b="1" dirty="0" err="1">
                 <a:latin typeface="+mj-lt"/>
@@ -7272,566 +6898,6 @@
                 <a:cs typeface="Times New Roman" panose="02020603050405020304" pitchFamily="18" charset="0"/>
               </a:rPr>
               <a:t>. </a:t>
-            </a:r>
-          </a:p>
-          <a:p>
-            <a:r>
-              <a:rPr lang="tr-TR" kern="100" dirty="0" err="1">
-                <a:effectLst/>
-                <a:latin typeface="+mj-lt"/>
-                <a:ea typeface="Calibri" panose="020F0502020204030204" pitchFamily="34" charset="0"/>
-                <a:cs typeface="Times New Roman" panose="02020603050405020304" pitchFamily="18" charset="0"/>
-              </a:rPr>
-              <a:t>The</a:t>
-            </a:r>
-            <a:r>
-              <a:rPr lang="tr-TR" kern="100" dirty="0">
-                <a:effectLst/>
-                <a:latin typeface="+mj-lt"/>
-                <a:ea typeface="Calibri" panose="020F0502020204030204" pitchFamily="34" charset="0"/>
-                <a:cs typeface="Times New Roman" panose="02020603050405020304" pitchFamily="18" charset="0"/>
-              </a:rPr>
-              <a:t> </a:t>
-            </a:r>
-            <a:r>
-              <a:rPr lang="tr-TR" kern="100" dirty="0" err="1">
-                <a:effectLst/>
-                <a:latin typeface="+mj-lt"/>
-                <a:ea typeface="Calibri" panose="020F0502020204030204" pitchFamily="34" charset="0"/>
-                <a:cs typeface="Times New Roman" panose="02020603050405020304" pitchFamily="18" charset="0"/>
-              </a:rPr>
-              <a:t>purpose</a:t>
-            </a:r>
-            <a:r>
-              <a:rPr lang="tr-TR" kern="100" dirty="0">
-                <a:effectLst/>
-                <a:latin typeface="+mj-lt"/>
-                <a:ea typeface="Calibri" panose="020F0502020204030204" pitchFamily="34" charset="0"/>
-                <a:cs typeface="Times New Roman" panose="02020603050405020304" pitchFamily="18" charset="0"/>
-              </a:rPr>
-              <a:t> of </a:t>
-            </a:r>
-            <a:r>
-              <a:rPr lang="tr-TR" kern="100" dirty="0" err="1">
-                <a:effectLst/>
-                <a:latin typeface="+mj-lt"/>
-                <a:ea typeface="Calibri" panose="020F0502020204030204" pitchFamily="34" charset="0"/>
-                <a:cs typeface="Times New Roman" panose="02020603050405020304" pitchFamily="18" charset="0"/>
-              </a:rPr>
-              <a:t>serialization</a:t>
-            </a:r>
-            <a:r>
-              <a:rPr lang="tr-TR" kern="100" dirty="0">
-                <a:effectLst/>
-                <a:latin typeface="+mj-lt"/>
-                <a:ea typeface="Calibri" panose="020F0502020204030204" pitchFamily="34" charset="0"/>
-                <a:cs typeface="Times New Roman" panose="02020603050405020304" pitchFamily="18" charset="0"/>
-              </a:rPr>
-              <a:t> is </a:t>
-            </a:r>
-            <a:r>
-              <a:rPr lang="tr-TR" kern="100" dirty="0" err="1">
-                <a:effectLst/>
-                <a:latin typeface="+mj-lt"/>
-                <a:ea typeface="Calibri" panose="020F0502020204030204" pitchFamily="34" charset="0"/>
-                <a:cs typeface="Times New Roman" panose="02020603050405020304" pitchFamily="18" charset="0"/>
-              </a:rPr>
-              <a:t>to</a:t>
-            </a:r>
-            <a:r>
-              <a:rPr lang="tr-TR" kern="100" dirty="0">
-                <a:effectLst/>
-                <a:latin typeface="+mj-lt"/>
-                <a:ea typeface="Calibri" panose="020F0502020204030204" pitchFamily="34" charset="0"/>
-                <a:cs typeface="Times New Roman" panose="02020603050405020304" pitchFamily="18" charset="0"/>
-              </a:rPr>
-              <a:t> </a:t>
-            </a:r>
-            <a:r>
-              <a:rPr lang="tr-TR" kern="100" dirty="0" err="1">
-                <a:effectLst/>
-                <a:latin typeface="+mj-lt"/>
-                <a:ea typeface="Calibri" panose="020F0502020204030204" pitchFamily="34" charset="0"/>
-                <a:cs typeface="Times New Roman" panose="02020603050405020304" pitchFamily="18" charset="0"/>
-              </a:rPr>
-              <a:t>convert</a:t>
-            </a:r>
-            <a:r>
-              <a:rPr lang="tr-TR" kern="100" dirty="0">
-                <a:effectLst/>
-                <a:latin typeface="+mj-lt"/>
-                <a:ea typeface="Calibri" panose="020F0502020204030204" pitchFamily="34" charset="0"/>
-                <a:cs typeface="Times New Roman" panose="02020603050405020304" pitchFamily="18" charset="0"/>
-              </a:rPr>
-              <a:t> an </a:t>
-            </a:r>
-            <a:r>
-              <a:rPr lang="tr-TR" kern="100" dirty="0" err="1">
-                <a:effectLst/>
-                <a:latin typeface="+mj-lt"/>
-                <a:ea typeface="Calibri" panose="020F0502020204030204" pitchFamily="34" charset="0"/>
-                <a:cs typeface="Times New Roman" panose="02020603050405020304" pitchFamily="18" charset="0"/>
-              </a:rPr>
-              <a:t>object's</a:t>
-            </a:r>
-            <a:r>
-              <a:rPr lang="tr-TR" kern="100" dirty="0">
-                <a:effectLst/>
-                <a:latin typeface="+mj-lt"/>
-                <a:ea typeface="Calibri" panose="020F0502020204030204" pitchFamily="34" charset="0"/>
-                <a:cs typeface="Times New Roman" panose="02020603050405020304" pitchFamily="18" charset="0"/>
-              </a:rPr>
-              <a:t> </a:t>
-            </a:r>
-            <a:r>
-              <a:rPr lang="tr-TR" kern="100" dirty="0" err="1">
-                <a:effectLst/>
-                <a:latin typeface="+mj-lt"/>
-                <a:ea typeface="Calibri" panose="020F0502020204030204" pitchFamily="34" charset="0"/>
-                <a:cs typeface="Times New Roman" panose="02020603050405020304" pitchFamily="18" charset="0"/>
-              </a:rPr>
-              <a:t>state</a:t>
-            </a:r>
-            <a:r>
-              <a:rPr lang="tr-TR" kern="100" dirty="0">
-                <a:effectLst/>
-                <a:latin typeface="+mj-lt"/>
-                <a:ea typeface="Calibri" panose="020F0502020204030204" pitchFamily="34" charset="0"/>
-                <a:cs typeface="Times New Roman" panose="02020603050405020304" pitchFamily="18" charset="0"/>
-              </a:rPr>
-              <a:t> </a:t>
-            </a:r>
-            <a:r>
-              <a:rPr lang="tr-TR" kern="100" dirty="0" err="1">
-                <a:effectLst/>
-                <a:latin typeface="+mj-lt"/>
-                <a:ea typeface="Calibri" panose="020F0502020204030204" pitchFamily="34" charset="0"/>
-                <a:cs typeface="Times New Roman" panose="02020603050405020304" pitchFamily="18" charset="0"/>
-              </a:rPr>
-              <a:t>to</a:t>
-            </a:r>
-            <a:r>
-              <a:rPr lang="tr-TR" kern="100" dirty="0">
-                <a:effectLst/>
-                <a:latin typeface="+mj-lt"/>
-                <a:ea typeface="Calibri" panose="020F0502020204030204" pitchFamily="34" charset="0"/>
-                <a:cs typeface="Times New Roman" panose="02020603050405020304" pitchFamily="18" charset="0"/>
-              </a:rPr>
-              <a:t> a format </a:t>
-            </a:r>
-            <a:r>
-              <a:rPr lang="tr-TR" kern="100" dirty="0" err="1">
-                <a:effectLst/>
-                <a:latin typeface="+mj-lt"/>
-                <a:ea typeface="Calibri" panose="020F0502020204030204" pitchFamily="34" charset="0"/>
-                <a:cs typeface="Times New Roman" panose="02020603050405020304" pitchFamily="18" charset="0"/>
-              </a:rPr>
-              <a:t>that</a:t>
-            </a:r>
-            <a:r>
-              <a:rPr lang="tr-TR" kern="100" dirty="0">
-                <a:effectLst/>
-                <a:latin typeface="+mj-lt"/>
-                <a:ea typeface="Calibri" panose="020F0502020204030204" pitchFamily="34" charset="0"/>
-                <a:cs typeface="Times New Roman" panose="02020603050405020304" pitchFamily="18" charset="0"/>
-              </a:rPr>
-              <a:t> can be </a:t>
-            </a:r>
-            <a:r>
-              <a:rPr lang="tr-TR" kern="100" dirty="0" err="1">
-                <a:effectLst/>
-                <a:latin typeface="+mj-lt"/>
-                <a:ea typeface="Calibri" panose="020F0502020204030204" pitchFamily="34" charset="0"/>
-                <a:cs typeface="Times New Roman" panose="02020603050405020304" pitchFamily="18" charset="0"/>
-              </a:rPr>
-              <a:t>stored</a:t>
-            </a:r>
-            <a:r>
-              <a:rPr lang="tr-TR" kern="100" dirty="0">
-                <a:effectLst/>
-                <a:latin typeface="+mj-lt"/>
-                <a:ea typeface="Calibri" panose="020F0502020204030204" pitchFamily="34" charset="0"/>
-                <a:cs typeface="Times New Roman" panose="02020603050405020304" pitchFamily="18" charset="0"/>
-              </a:rPr>
-              <a:t> </a:t>
-            </a:r>
-            <a:r>
-              <a:rPr lang="tr-TR" kern="100" dirty="0" err="1">
-                <a:effectLst/>
-                <a:latin typeface="+mj-lt"/>
-                <a:ea typeface="Calibri" panose="020F0502020204030204" pitchFamily="34" charset="0"/>
-                <a:cs typeface="Times New Roman" panose="02020603050405020304" pitchFamily="18" charset="0"/>
-              </a:rPr>
-              <a:t>or</a:t>
-            </a:r>
-            <a:r>
-              <a:rPr lang="tr-TR" kern="100" dirty="0">
-                <a:effectLst/>
-                <a:latin typeface="+mj-lt"/>
-                <a:ea typeface="Calibri" panose="020F0502020204030204" pitchFamily="34" charset="0"/>
-                <a:cs typeface="Times New Roman" panose="02020603050405020304" pitchFamily="18" charset="0"/>
-              </a:rPr>
-              <a:t> </a:t>
-            </a:r>
-            <a:r>
-              <a:rPr lang="tr-TR" kern="100" dirty="0" err="1">
-                <a:effectLst/>
-                <a:latin typeface="+mj-lt"/>
-                <a:ea typeface="Calibri" panose="020F0502020204030204" pitchFamily="34" charset="0"/>
-                <a:cs typeface="Times New Roman" panose="02020603050405020304" pitchFamily="18" charset="0"/>
-              </a:rPr>
-              <a:t>transmitted</a:t>
-            </a:r>
-            <a:r>
-              <a:rPr lang="tr-TR" kern="100" dirty="0">
-                <a:effectLst/>
-                <a:latin typeface="+mj-lt"/>
-                <a:ea typeface="Calibri" panose="020F0502020204030204" pitchFamily="34" charset="0"/>
-                <a:cs typeface="Times New Roman" panose="02020603050405020304" pitchFamily="18" charset="0"/>
-              </a:rPr>
-              <a:t> </a:t>
-            </a:r>
-            <a:r>
-              <a:rPr lang="tr-TR" kern="100" dirty="0" err="1">
-                <a:effectLst/>
-                <a:latin typeface="+mj-lt"/>
-                <a:ea typeface="Calibri" panose="020F0502020204030204" pitchFamily="34" charset="0"/>
-                <a:cs typeface="Times New Roman" panose="02020603050405020304" pitchFamily="18" charset="0"/>
-              </a:rPr>
-              <a:t>over</a:t>
-            </a:r>
-            <a:r>
-              <a:rPr lang="tr-TR" kern="100" dirty="0">
-                <a:effectLst/>
-                <a:latin typeface="+mj-lt"/>
-                <a:ea typeface="Calibri" panose="020F0502020204030204" pitchFamily="34" charset="0"/>
-                <a:cs typeface="Times New Roman" panose="02020603050405020304" pitchFamily="18" charset="0"/>
-              </a:rPr>
-              <a:t> a network, </a:t>
-            </a:r>
-            <a:r>
-              <a:rPr lang="tr-TR" kern="100" dirty="0" err="1">
-                <a:effectLst/>
-                <a:latin typeface="+mj-lt"/>
-                <a:ea typeface="Calibri" panose="020F0502020204030204" pitchFamily="34" charset="0"/>
-                <a:cs typeface="Times New Roman" panose="02020603050405020304" pitchFamily="18" charset="0"/>
-              </a:rPr>
-              <a:t>and</a:t>
-            </a:r>
-            <a:r>
-              <a:rPr lang="tr-TR" kern="100" dirty="0">
-                <a:effectLst/>
-                <a:latin typeface="+mj-lt"/>
-                <a:ea typeface="Calibri" panose="020F0502020204030204" pitchFamily="34" charset="0"/>
-                <a:cs typeface="Times New Roman" panose="02020603050405020304" pitchFamily="18" charset="0"/>
-              </a:rPr>
-              <a:t> </a:t>
-            </a:r>
-            <a:r>
-              <a:rPr lang="tr-TR" kern="100" dirty="0" err="1">
-                <a:effectLst/>
-                <a:latin typeface="+mj-lt"/>
-                <a:ea typeface="Calibri" panose="020F0502020204030204" pitchFamily="34" charset="0"/>
-                <a:cs typeface="Times New Roman" panose="02020603050405020304" pitchFamily="18" charset="0"/>
-              </a:rPr>
-              <a:t>then</a:t>
-            </a:r>
-            <a:r>
-              <a:rPr lang="tr-TR" kern="100" dirty="0">
-                <a:effectLst/>
-                <a:latin typeface="+mj-lt"/>
-                <a:ea typeface="Calibri" panose="020F0502020204030204" pitchFamily="34" charset="0"/>
-                <a:cs typeface="Times New Roman" panose="02020603050405020304" pitchFamily="18" charset="0"/>
-              </a:rPr>
-              <a:t> </a:t>
-            </a:r>
-            <a:r>
-              <a:rPr lang="tr-TR" kern="100" dirty="0" err="1">
-                <a:effectLst/>
-                <a:latin typeface="+mj-lt"/>
-                <a:ea typeface="Calibri" panose="020F0502020204030204" pitchFamily="34" charset="0"/>
-                <a:cs typeface="Times New Roman" panose="02020603050405020304" pitchFamily="18" charset="0"/>
-              </a:rPr>
-              <a:t>later</a:t>
-            </a:r>
-            <a:r>
-              <a:rPr lang="tr-TR" kern="100" dirty="0">
-                <a:effectLst/>
-                <a:latin typeface="+mj-lt"/>
-                <a:ea typeface="Calibri" panose="020F0502020204030204" pitchFamily="34" charset="0"/>
-                <a:cs typeface="Times New Roman" panose="02020603050405020304" pitchFamily="18" charset="0"/>
-              </a:rPr>
-              <a:t> </a:t>
-            </a:r>
-            <a:r>
-              <a:rPr lang="tr-TR" kern="100" dirty="0" err="1">
-                <a:effectLst/>
-                <a:latin typeface="+mj-lt"/>
-                <a:ea typeface="Calibri" panose="020F0502020204030204" pitchFamily="34" charset="0"/>
-                <a:cs typeface="Times New Roman" panose="02020603050405020304" pitchFamily="18" charset="0"/>
-              </a:rPr>
-              <a:t>restored</a:t>
-            </a:r>
-            <a:r>
-              <a:rPr lang="tr-TR" kern="100" dirty="0">
-                <a:effectLst/>
-                <a:latin typeface="+mj-lt"/>
-                <a:ea typeface="Calibri" panose="020F0502020204030204" pitchFamily="34" charset="0"/>
-                <a:cs typeface="Times New Roman" panose="02020603050405020304" pitchFamily="18" charset="0"/>
-              </a:rPr>
-              <a:t> </a:t>
-            </a:r>
-            <a:r>
-              <a:rPr lang="tr-TR" kern="100" dirty="0" err="1">
-                <a:effectLst/>
-                <a:latin typeface="+mj-lt"/>
-                <a:ea typeface="Calibri" panose="020F0502020204030204" pitchFamily="34" charset="0"/>
-                <a:cs typeface="Times New Roman" panose="02020603050405020304" pitchFamily="18" charset="0"/>
-              </a:rPr>
-              <a:t>to</a:t>
-            </a:r>
-            <a:r>
-              <a:rPr lang="tr-TR" kern="100" dirty="0">
-                <a:effectLst/>
-                <a:latin typeface="+mj-lt"/>
-                <a:ea typeface="Calibri" panose="020F0502020204030204" pitchFamily="34" charset="0"/>
-                <a:cs typeface="Times New Roman" panose="02020603050405020304" pitchFamily="18" charset="0"/>
-              </a:rPr>
-              <a:t> </a:t>
-            </a:r>
-            <a:r>
-              <a:rPr lang="tr-TR" kern="100" dirty="0" err="1">
-                <a:effectLst/>
-                <a:latin typeface="+mj-lt"/>
-                <a:ea typeface="Calibri" panose="020F0502020204030204" pitchFamily="34" charset="0"/>
-                <a:cs typeface="Times New Roman" panose="02020603050405020304" pitchFamily="18" charset="0"/>
-              </a:rPr>
-              <a:t>its</a:t>
-            </a:r>
-            <a:r>
-              <a:rPr lang="tr-TR" kern="100" dirty="0">
-                <a:effectLst/>
-                <a:latin typeface="+mj-lt"/>
-                <a:ea typeface="Calibri" panose="020F0502020204030204" pitchFamily="34" charset="0"/>
-                <a:cs typeface="Times New Roman" panose="02020603050405020304" pitchFamily="18" charset="0"/>
-              </a:rPr>
-              <a:t> </a:t>
-            </a:r>
-            <a:r>
-              <a:rPr lang="tr-TR" kern="100" dirty="0" err="1">
-                <a:effectLst/>
-                <a:latin typeface="+mj-lt"/>
-                <a:ea typeface="Calibri" panose="020F0502020204030204" pitchFamily="34" charset="0"/>
-                <a:cs typeface="Times New Roman" panose="02020603050405020304" pitchFamily="18" charset="0"/>
-              </a:rPr>
-              <a:t>original</a:t>
-            </a:r>
-            <a:r>
-              <a:rPr lang="tr-TR" kern="100" dirty="0">
-                <a:effectLst/>
-                <a:latin typeface="+mj-lt"/>
-                <a:ea typeface="Calibri" panose="020F0502020204030204" pitchFamily="34" charset="0"/>
-                <a:cs typeface="Times New Roman" panose="02020603050405020304" pitchFamily="18" charset="0"/>
-              </a:rPr>
-              <a:t> </a:t>
-            </a:r>
-            <a:r>
-              <a:rPr lang="tr-TR" kern="100" dirty="0" err="1">
-                <a:effectLst/>
-                <a:latin typeface="+mj-lt"/>
-                <a:ea typeface="Calibri" panose="020F0502020204030204" pitchFamily="34" charset="0"/>
-                <a:cs typeface="Times New Roman" panose="02020603050405020304" pitchFamily="18" charset="0"/>
-              </a:rPr>
-              <a:t>state</a:t>
-            </a:r>
-            <a:r>
-              <a:rPr lang="tr-TR" kern="100" dirty="0">
-                <a:effectLst/>
-                <a:latin typeface="+mj-lt"/>
-                <a:ea typeface="Calibri" panose="020F0502020204030204" pitchFamily="34" charset="0"/>
-                <a:cs typeface="Times New Roman" panose="02020603050405020304" pitchFamily="18" charset="0"/>
-              </a:rPr>
-              <a:t> </a:t>
-            </a:r>
-            <a:r>
-              <a:rPr lang="tr-TR" kern="100" dirty="0" err="1">
-                <a:effectLst/>
-                <a:latin typeface="+mj-lt"/>
-                <a:ea typeface="Calibri" panose="020F0502020204030204" pitchFamily="34" charset="0"/>
-                <a:cs typeface="Times New Roman" panose="02020603050405020304" pitchFamily="18" charset="0"/>
-              </a:rPr>
-              <a:t>using</a:t>
-            </a:r>
-            <a:r>
-              <a:rPr lang="tr-TR" kern="100" dirty="0">
-                <a:effectLst/>
-                <a:latin typeface="+mj-lt"/>
-                <a:ea typeface="Calibri" panose="020F0502020204030204" pitchFamily="34" charset="0"/>
-                <a:cs typeface="Times New Roman" panose="02020603050405020304" pitchFamily="18" charset="0"/>
-              </a:rPr>
-              <a:t> a </a:t>
-            </a:r>
-            <a:r>
-              <a:rPr lang="tr-TR" kern="100" dirty="0" err="1">
-                <a:effectLst/>
-                <a:latin typeface="+mj-lt"/>
-                <a:ea typeface="Calibri" panose="020F0502020204030204" pitchFamily="34" charset="0"/>
-                <a:cs typeface="Times New Roman" panose="02020603050405020304" pitchFamily="18" charset="0"/>
-              </a:rPr>
-              <a:t>process</a:t>
-            </a:r>
-            <a:r>
-              <a:rPr lang="tr-TR" kern="100" dirty="0">
-                <a:effectLst/>
-                <a:latin typeface="+mj-lt"/>
-                <a:ea typeface="Calibri" panose="020F0502020204030204" pitchFamily="34" charset="0"/>
-                <a:cs typeface="Times New Roman" panose="02020603050405020304" pitchFamily="18" charset="0"/>
-              </a:rPr>
-              <a:t> </a:t>
-            </a:r>
-            <a:r>
-              <a:rPr lang="tr-TR" kern="100" dirty="0" err="1">
-                <a:effectLst/>
-                <a:latin typeface="+mj-lt"/>
-                <a:ea typeface="Calibri" panose="020F0502020204030204" pitchFamily="34" charset="0"/>
-                <a:cs typeface="Times New Roman" panose="02020603050405020304" pitchFamily="18" charset="0"/>
-              </a:rPr>
-              <a:t>called</a:t>
-            </a:r>
-            <a:r>
-              <a:rPr lang="tr-TR" kern="100" dirty="0">
-                <a:effectLst/>
-                <a:latin typeface="+mj-lt"/>
-                <a:ea typeface="Calibri" panose="020F0502020204030204" pitchFamily="34" charset="0"/>
-                <a:cs typeface="Times New Roman" panose="02020603050405020304" pitchFamily="18" charset="0"/>
-              </a:rPr>
-              <a:t> </a:t>
-            </a:r>
-            <a:r>
-              <a:rPr lang="tr-TR" kern="100" dirty="0" err="1">
-                <a:effectLst/>
-                <a:latin typeface="+mj-lt"/>
-                <a:ea typeface="Calibri" panose="020F0502020204030204" pitchFamily="34" charset="0"/>
-                <a:cs typeface="Times New Roman" panose="02020603050405020304" pitchFamily="18" charset="0"/>
-              </a:rPr>
-              <a:t>deserialization</a:t>
-            </a:r>
-            <a:r>
-              <a:rPr lang="tr-TR" kern="100" dirty="0">
-                <a:effectLst/>
-                <a:latin typeface="+mj-lt"/>
-                <a:ea typeface="Calibri" panose="020F0502020204030204" pitchFamily="34" charset="0"/>
-                <a:cs typeface="Times New Roman" panose="02020603050405020304" pitchFamily="18" charset="0"/>
-              </a:rPr>
-              <a:t>. </a:t>
-            </a:r>
-            <a:r>
-              <a:rPr lang="tr-TR" kern="100" dirty="0" err="1">
-                <a:effectLst/>
-                <a:latin typeface="+mj-lt"/>
-                <a:ea typeface="Calibri" panose="020F0502020204030204" pitchFamily="34" charset="0"/>
-                <a:cs typeface="Times New Roman" panose="02020603050405020304" pitchFamily="18" charset="0"/>
-              </a:rPr>
-              <a:t>Also</a:t>
-            </a:r>
-            <a:r>
-              <a:rPr lang="tr-TR" kern="100" dirty="0">
-                <a:effectLst/>
-                <a:latin typeface="+mj-lt"/>
-                <a:ea typeface="Calibri" panose="020F0502020204030204" pitchFamily="34" charset="0"/>
-                <a:cs typeface="Times New Roman" panose="02020603050405020304" pitchFamily="18" charset="0"/>
-              </a:rPr>
-              <a:t> </a:t>
-            </a:r>
-            <a:r>
-              <a:rPr lang="tr-TR" kern="100" dirty="0" err="1">
-                <a:effectLst/>
-                <a:latin typeface="+mj-lt"/>
-                <a:ea typeface="Calibri" panose="020F0502020204030204" pitchFamily="34" charset="0"/>
-                <a:cs typeface="Times New Roman" panose="02020603050405020304" pitchFamily="18" charset="0"/>
-              </a:rPr>
-              <a:t>have</a:t>
-            </a:r>
-            <a:r>
-              <a:rPr lang="tr-TR" kern="100" dirty="0">
-                <a:effectLst/>
-                <a:latin typeface="+mj-lt"/>
-                <a:ea typeface="Calibri" panose="020F0502020204030204" pitchFamily="34" charset="0"/>
-                <a:cs typeface="Times New Roman" panose="02020603050405020304" pitchFamily="18" charset="0"/>
-              </a:rPr>
-              <a:t> </a:t>
-            </a:r>
-            <a:r>
-              <a:rPr lang="tr-TR" kern="100" dirty="0" err="1">
-                <a:effectLst/>
-                <a:latin typeface="+mj-lt"/>
-                <a:ea typeface="Calibri" panose="020F0502020204030204" pitchFamily="34" charset="0"/>
-                <a:cs typeface="Times New Roman" panose="02020603050405020304" pitchFamily="18" charset="0"/>
-              </a:rPr>
-              <a:t>some</a:t>
-            </a:r>
-            <a:r>
-              <a:rPr lang="tr-TR" kern="100" dirty="0">
-                <a:effectLst/>
-                <a:latin typeface="+mj-lt"/>
-                <a:ea typeface="Calibri" panose="020F0502020204030204" pitchFamily="34" charset="0"/>
-                <a:cs typeface="Times New Roman" panose="02020603050405020304" pitchFamily="18" charset="0"/>
-              </a:rPr>
-              <a:t> </a:t>
-            </a:r>
-            <a:r>
-              <a:rPr lang="tr-TR" kern="100" dirty="0" err="1">
-                <a:effectLst/>
-                <a:latin typeface="+mj-lt"/>
-                <a:ea typeface="Calibri" panose="020F0502020204030204" pitchFamily="34" charset="0"/>
-                <a:cs typeface="Times New Roman" panose="02020603050405020304" pitchFamily="18" charset="0"/>
-              </a:rPr>
-              <a:t>methods</a:t>
-            </a:r>
-            <a:r>
-              <a:rPr lang="tr-TR" kern="100" dirty="0">
-                <a:effectLst/>
-                <a:latin typeface="+mj-lt"/>
-                <a:ea typeface="Calibri" panose="020F0502020204030204" pitchFamily="34" charset="0"/>
-                <a:cs typeface="Times New Roman" panose="02020603050405020304" pitchFamily="18" charset="0"/>
-              </a:rPr>
-              <a:t> </a:t>
-            </a:r>
-            <a:r>
-              <a:rPr lang="tr-TR" kern="100" dirty="0" err="1">
-                <a:effectLst/>
-                <a:latin typeface="+mj-lt"/>
-                <a:ea typeface="Calibri" panose="020F0502020204030204" pitchFamily="34" charset="0"/>
-                <a:cs typeface="Times New Roman" panose="02020603050405020304" pitchFamily="18" charset="0"/>
-              </a:rPr>
-              <a:t>to</a:t>
-            </a:r>
-            <a:r>
-              <a:rPr lang="tr-TR" kern="100" dirty="0">
-                <a:effectLst/>
-                <a:latin typeface="+mj-lt"/>
-                <a:ea typeface="Calibri" panose="020F0502020204030204" pitchFamily="34" charset="0"/>
-                <a:cs typeface="Times New Roman" panose="02020603050405020304" pitchFamily="18" charset="0"/>
-              </a:rPr>
-              <a:t> </a:t>
-            </a:r>
-            <a:r>
-              <a:rPr lang="tr-TR" kern="100" dirty="0" err="1">
-                <a:effectLst/>
-                <a:latin typeface="+mj-lt"/>
-                <a:ea typeface="Calibri" panose="020F0502020204030204" pitchFamily="34" charset="0"/>
-                <a:cs typeface="Times New Roman" panose="02020603050405020304" pitchFamily="18" charset="0"/>
-              </a:rPr>
-              <a:t>serializing</a:t>
-            </a:r>
-            <a:r>
-              <a:rPr lang="tr-TR" kern="100" dirty="0">
-                <a:effectLst/>
-                <a:latin typeface="+mj-lt"/>
-                <a:ea typeface="Calibri" panose="020F0502020204030204" pitchFamily="34" charset="0"/>
-                <a:cs typeface="Times New Roman" panose="02020603050405020304" pitchFamily="18" charset="0"/>
-              </a:rPr>
-              <a:t>.</a:t>
             </a:r>
           </a:p>
           <a:p>
@@ -7905,11 +6971,10 @@
           </a:p>
           <a:p>
             <a:r>
-              <a:rPr lang="en-IN" dirty="0">
-                <a:latin typeface="+mj-lt"/>
-                <a:hlinkClick r:id="rId2"/>
-              </a:rPr>
-              <a:t>Neocortex API </a:t>
+              <a:rPr lang="tr-TR" dirty="0" err="1">
+                <a:latin typeface="+mj-lt"/>
+              </a:rPr>
+              <a:t>NeoCortexAPI</a:t>
             </a:r>
             <a:r>
               <a:rPr lang="en-IN" dirty="0">
@@ -8039,10 +7104,16 @@
         </p:spPr>
         <p:txBody>
           <a:bodyPr>
-            <a:normAutofit lnSpcReduction="10000"/>
+            <a:normAutofit/>
           </a:bodyPr>
           <a:lstStyle/>
           <a:p>
+            <a:endParaRPr lang="tr-TR" dirty="0"/>
+          </a:p>
+          <a:p>
+            <a:endParaRPr lang="tr-TR" dirty="0"/>
+          </a:p>
+          <a:p>
             <a:r>
               <a:rPr lang="tr-TR" dirty="0" err="1"/>
               <a:t>Unit</a:t>
@@ -8057,29 +7128,285 @@
             </a:r>
             <a:r>
               <a:rPr lang="tr-TR" dirty="0"/>
+              <a:t>:</a:t>
+            </a:r>
+            <a:r>
+              <a:rPr lang="tr-TR" dirty="0">
+                <a:latin typeface="+mj-lt"/>
+              </a:rPr>
+              <a:t> H</a:t>
+            </a:r>
+            <a:r>
+              <a:rPr lang="tr-TR" dirty="0">
+                <a:effectLst/>
+                <a:latin typeface="+mj-lt"/>
+                <a:ea typeface="Calibri" panose="020F0502020204030204" pitchFamily="34" charset="0"/>
+              </a:rPr>
+              <a:t>elp </a:t>
+            </a:r>
+            <a:r>
+              <a:rPr lang="tr-TR" dirty="0" err="1">
+                <a:effectLst/>
+                <a:latin typeface="+mj-lt"/>
+                <a:ea typeface="Calibri" panose="020F0502020204030204" pitchFamily="34" charset="0"/>
+              </a:rPr>
+              <a:t>to</a:t>
+            </a:r>
+            <a:r>
+              <a:rPr lang="tr-TR" dirty="0">
+                <a:effectLst/>
+                <a:latin typeface="+mj-lt"/>
+                <a:ea typeface="Calibri" panose="020F0502020204030204" pitchFamily="34" charset="0"/>
+              </a:rPr>
+              <a:t> </a:t>
+            </a:r>
+            <a:r>
+              <a:rPr lang="tr-TR" dirty="0" err="1">
+                <a:effectLst/>
+                <a:latin typeface="+mj-lt"/>
+                <a:ea typeface="Calibri" panose="020F0502020204030204" pitchFamily="34" charset="0"/>
+              </a:rPr>
+              <a:t>ensure</a:t>
+            </a:r>
+            <a:r>
+              <a:rPr lang="tr-TR" dirty="0">
+                <a:effectLst/>
+                <a:latin typeface="+mj-lt"/>
+                <a:ea typeface="Calibri" panose="020F0502020204030204" pitchFamily="34" charset="0"/>
+              </a:rPr>
+              <a:t> </a:t>
+            </a:r>
+            <a:r>
+              <a:rPr lang="tr-TR" dirty="0" err="1">
+                <a:effectLst/>
+                <a:latin typeface="+mj-lt"/>
+                <a:ea typeface="Calibri" panose="020F0502020204030204" pitchFamily="34" charset="0"/>
+              </a:rPr>
+              <a:t>that</a:t>
+            </a:r>
+            <a:r>
+              <a:rPr lang="tr-TR" dirty="0">
+                <a:effectLst/>
+                <a:latin typeface="+mj-lt"/>
+                <a:ea typeface="Calibri" panose="020F0502020204030204" pitchFamily="34" charset="0"/>
+              </a:rPr>
+              <a:t> </a:t>
+            </a:r>
+            <a:r>
+              <a:rPr lang="tr-TR" dirty="0" err="1">
+                <a:effectLst/>
+                <a:latin typeface="+mj-lt"/>
+                <a:ea typeface="Calibri" panose="020F0502020204030204" pitchFamily="34" charset="0"/>
+              </a:rPr>
+              <a:t>the</a:t>
+            </a:r>
+            <a:r>
+              <a:rPr lang="tr-TR" dirty="0">
+                <a:effectLst/>
+                <a:latin typeface="+mj-lt"/>
+                <a:ea typeface="Calibri" panose="020F0502020204030204" pitchFamily="34" charset="0"/>
+              </a:rPr>
+              <a:t> </a:t>
+            </a:r>
+            <a:r>
+              <a:rPr lang="tr-TR" dirty="0" err="1">
+                <a:effectLst/>
+                <a:latin typeface="+mj-lt"/>
+                <a:ea typeface="Calibri" panose="020F0502020204030204" pitchFamily="34" charset="0"/>
+              </a:rPr>
+              <a:t>serializer</a:t>
+            </a:r>
+            <a:r>
+              <a:rPr lang="tr-TR" dirty="0">
+                <a:effectLst/>
+                <a:latin typeface="+mj-lt"/>
+                <a:ea typeface="Calibri" panose="020F0502020204030204" pitchFamily="34" charset="0"/>
+              </a:rPr>
+              <a:t> </a:t>
+            </a:r>
+            <a:r>
+              <a:rPr lang="tr-TR" dirty="0" err="1">
+                <a:effectLst/>
+                <a:latin typeface="+mj-lt"/>
+                <a:ea typeface="Calibri" panose="020F0502020204030204" pitchFamily="34" charset="0"/>
+              </a:rPr>
+              <a:t>works</a:t>
+            </a:r>
+            <a:r>
+              <a:rPr lang="tr-TR" dirty="0">
+                <a:effectLst/>
+                <a:latin typeface="+mj-lt"/>
+                <a:ea typeface="Calibri" panose="020F0502020204030204" pitchFamily="34" charset="0"/>
+              </a:rPr>
+              <a:t> </a:t>
+            </a:r>
+            <a:r>
+              <a:rPr lang="tr-TR" dirty="0" err="1">
+                <a:effectLst/>
+                <a:latin typeface="+mj-lt"/>
+                <a:ea typeface="Calibri" panose="020F0502020204030204" pitchFamily="34" charset="0"/>
+              </a:rPr>
+              <a:t>correctly</a:t>
+            </a:r>
+            <a:r>
+              <a:rPr lang="tr-TR" dirty="0">
+                <a:effectLst/>
+                <a:latin typeface="+mj-lt"/>
+                <a:ea typeface="Calibri" panose="020F0502020204030204" pitchFamily="34" charset="0"/>
+              </a:rPr>
+              <a:t> </a:t>
+            </a:r>
+            <a:r>
+              <a:rPr lang="tr-TR" dirty="0" err="1">
+                <a:effectLst/>
+                <a:latin typeface="+mj-lt"/>
+                <a:ea typeface="Calibri" panose="020F0502020204030204" pitchFamily="34" charset="0"/>
+              </a:rPr>
+              <a:t>and</a:t>
+            </a:r>
+            <a:r>
+              <a:rPr lang="tr-TR" dirty="0">
+                <a:effectLst/>
+                <a:latin typeface="+mj-lt"/>
+                <a:ea typeface="Calibri" panose="020F0502020204030204" pitchFamily="34" charset="0"/>
+              </a:rPr>
+              <a:t> is </a:t>
+            </a:r>
+            <a:r>
+              <a:rPr lang="tr-TR" dirty="0" err="1">
+                <a:effectLst/>
+                <a:latin typeface="+mj-lt"/>
+                <a:ea typeface="Calibri" panose="020F0502020204030204" pitchFamily="34" charset="0"/>
+              </a:rPr>
+              <a:t>free</a:t>
+            </a:r>
+            <a:r>
+              <a:rPr lang="tr-TR" dirty="0">
+                <a:effectLst/>
+                <a:latin typeface="+mj-lt"/>
+                <a:ea typeface="Calibri" panose="020F0502020204030204" pitchFamily="34" charset="0"/>
+              </a:rPr>
+              <a:t> of </a:t>
+            </a:r>
+            <a:r>
+              <a:rPr lang="tr-TR" dirty="0" err="1">
+                <a:effectLst/>
+                <a:latin typeface="+mj-lt"/>
+                <a:ea typeface="Calibri" panose="020F0502020204030204" pitchFamily="34" charset="0"/>
+              </a:rPr>
+              <a:t>bugs</a:t>
+            </a:r>
+            <a:r>
+              <a:rPr lang="tr-TR" dirty="0">
+                <a:effectLst/>
+                <a:latin typeface="+mj-lt"/>
+                <a:ea typeface="Calibri" panose="020F0502020204030204" pitchFamily="34" charset="0"/>
+              </a:rPr>
+              <a:t> </a:t>
+            </a:r>
+            <a:r>
+              <a:rPr lang="tr-TR" dirty="0" err="1">
+                <a:effectLst/>
+                <a:latin typeface="+mj-lt"/>
+                <a:ea typeface="Calibri" panose="020F0502020204030204" pitchFamily="34" charset="0"/>
+              </a:rPr>
+              <a:t>or</a:t>
+            </a:r>
+            <a:r>
+              <a:rPr lang="tr-TR" dirty="0">
+                <a:effectLst/>
+                <a:latin typeface="+mj-lt"/>
+                <a:ea typeface="Calibri" panose="020F0502020204030204" pitchFamily="34" charset="0"/>
+              </a:rPr>
+              <a:t> </a:t>
+            </a:r>
+            <a:r>
+              <a:rPr lang="tr-TR" dirty="0" err="1">
+                <a:effectLst/>
+                <a:latin typeface="+mj-lt"/>
+                <a:ea typeface="Calibri" panose="020F0502020204030204" pitchFamily="34" charset="0"/>
+              </a:rPr>
+              <a:t>errors</a:t>
+            </a:r>
+            <a:r>
+              <a:rPr lang="tr-TR" dirty="0">
+                <a:effectLst/>
+                <a:latin typeface="+mj-lt"/>
+                <a:ea typeface="Calibri" panose="020F0502020204030204" pitchFamily="34" charset="0"/>
+              </a:rPr>
+              <a:t>.</a:t>
+            </a:r>
+          </a:p>
+          <a:p>
+            <a:r>
+              <a:rPr lang="tr-TR" dirty="0" err="1">
+                <a:effectLst/>
+                <a:latin typeface="+mj-lt"/>
+                <a:ea typeface="Calibri" panose="020F0502020204030204" pitchFamily="34" charset="0"/>
+                <a:cs typeface="Times New Roman" panose="02020603050405020304" pitchFamily="18" charset="0"/>
+              </a:rPr>
+              <a:t>Refactoring</a:t>
+            </a:r>
+            <a:r>
+              <a:rPr lang="tr-TR" dirty="0">
+                <a:effectLst/>
+                <a:latin typeface="+mj-lt"/>
+                <a:ea typeface="Calibri" panose="020F0502020204030204" pitchFamily="34" charset="0"/>
+                <a:cs typeface="Times New Roman" panose="02020603050405020304" pitchFamily="18" charset="0"/>
+              </a:rPr>
               <a:t>: </a:t>
             </a:r>
             <a:r>
+              <a:rPr lang="tr-TR" dirty="0" err="1">
+                <a:effectLst/>
+                <a:latin typeface="+mj-lt"/>
+                <a:ea typeface="Calibri" panose="020F0502020204030204" pitchFamily="34" charset="0"/>
+                <a:cs typeface="Times New Roman" panose="02020603050405020304" pitchFamily="18" charset="0"/>
+              </a:rPr>
+              <a:t>Refactoring</a:t>
+            </a:r>
+            <a:r>
               <a:rPr lang="tr-TR" dirty="0">
                 <a:effectLst/>
                 <a:latin typeface="+mj-lt"/>
                 <a:ea typeface="Calibri" panose="020F0502020204030204" pitchFamily="34" charset="0"/>
-              </a:rPr>
-              <a:t>HTM </a:t>
+                <a:cs typeface="Times New Roman" panose="02020603050405020304" pitchFamily="18" charset="0"/>
+              </a:rPr>
+              <a:t> an HTM </a:t>
             </a:r>
             <a:r>
               <a:rPr lang="tr-TR" dirty="0" err="1">
                 <a:effectLst/>
                 <a:latin typeface="+mj-lt"/>
                 <a:ea typeface="Calibri" panose="020F0502020204030204" pitchFamily="34" charset="0"/>
-              </a:rPr>
-              <a:t>serialization</a:t>
+                <a:cs typeface="Times New Roman" panose="02020603050405020304" pitchFamily="18" charset="0"/>
+              </a:rPr>
+              <a:t>serializer</a:t>
             </a:r>
             <a:r>
               <a:rPr lang="tr-TR" dirty="0">
                 <a:effectLst/>
                 <a:latin typeface="+mj-lt"/>
                 <a:ea typeface="Calibri" panose="020F0502020204030204" pitchFamily="34" charset="0"/>
+                <a:cs typeface="Times New Roman" panose="02020603050405020304" pitchFamily="18" charset="0"/>
+              </a:rPr>
+              <a:t> can </a:t>
+            </a:r>
+            <a:r>
+              <a:rPr lang="tr-TR" dirty="0" err="1">
+                <a:effectLst/>
+                <a:latin typeface="+mj-lt"/>
+                <a:ea typeface="Calibri" panose="020F0502020204030204" pitchFamily="34" charset="0"/>
+                <a:cs typeface="Times New Roman" panose="02020603050405020304" pitchFamily="18" charset="0"/>
+              </a:rPr>
+              <a:t>help</a:t>
+            </a:r>
+            <a:r>
+              <a:rPr lang="tr-TR" dirty="0">
+                <a:effectLst/>
+                <a:latin typeface="+mj-lt"/>
+                <a:ea typeface="Calibri" panose="020F0502020204030204" pitchFamily="34" charset="0"/>
+                <a:cs typeface="Times New Roman" panose="02020603050405020304" pitchFamily="18" charset="0"/>
               </a:rPr>
               <a:t> </a:t>
             </a:r>
@@ -8088,14 +7415,16 @@
                 <a:effectLst/>
                 <a:latin typeface="+mj-lt"/>
                 <a:ea typeface="Calibri" panose="020F0502020204030204" pitchFamily="34" charset="0"/>
-              </a:rPr>
-              <a:t>unit</a:t>
+                <a:cs typeface="Times New Roman" panose="02020603050405020304" pitchFamily="18" charset="0"/>
+              </a:rPr>
+              <a:t>to</a:t>
             </a:r>
             <a:r>
               <a:rPr lang="tr-TR" dirty="0">
                 <a:effectLst/>
                 <a:latin typeface="+mj-lt"/>
                 <a:ea typeface="Calibri" panose="020F0502020204030204" pitchFamily="34" charset="0"/>
+                <a:cs typeface="Times New Roman" panose="02020603050405020304" pitchFamily="18" charset="0"/>
               </a:rPr>
               <a:t> </a:t>
             </a:r>
@@ -8104,14 +7433,16 @@
                 <a:effectLst/>
                 <a:latin typeface="+mj-lt"/>
                 <a:ea typeface="Calibri" panose="020F0502020204030204" pitchFamily="34" charset="0"/>
-              </a:rPr>
-              <a:t>tests</a:t>
+                <a:cs typeface="Times New Roman" panose="02020603050405020304" pitchFamily="18" charset="0"/>
+              </a:rPr>
+              <a:t>ensure</a:t>
             </a:r>
             <a:r>
               <a:rPr lang="tr-TR" dirty="0">
                 <a:effectLst/>
                 <a:latin typeface="+mj-lt"/>
                 <a:ea typeface="Calibri" panose="020F0502020204030204" pitchFamily="34" charset="0"/>
+                <a:cs typeface="Times New Roman" panose="02020603050405020304" pitchFamily="18" charset="0"/>
               </a:rPr>
               <a:t> </a:t>
             </a:r>
@@ -8120,30 +7451,34 @@
                 <a:effectLst/>
                 <a:latin typeface="+mj-lt"/>
                 <a:ea typeface="Calibri" panose="020F0502020204030204" pitchFamily="34" charset="0"/>
-              </a:rPr>
-              <a:t>are</a:t>
+                <a:cs typeface="Times New Roman" panose="02020603050405020304" pitchFamily="18" charset="0"/>
+              </a:rPr>
+              <a:t>that</a:t>
             </a:r>
             <a:r>
               <a:rPr lang="tr-TR" dirty="0">
                 <a:effectLst/>
                 <a:latin typeface="+mj-lt"/>
                 <a:ea typeface="Calibri" panose="020F0502020204030204" pitchFamily="34" charset="0"/>
-              </a:rPr>
-              <a:t> an </a:t>
+                <a:cs typeface="Times New Roman" panose="02020603050405020304" pitchFamily="18" charset="0"/>
+              </a:rPr>
+              <a:t> it </a:t>
             </a:r>
             <a:r>
               <a:rPr lang="tr-TR" dirty="0" err="1">
                 <a:effectLst/>
                 <a:latin typeface="+mj-lt"/>
                 <a:ea typeface="Calibri" panose="020F0502020204030204" pitchFamily="34" charset="0"/>
-              </a:rPr>
-              <a:t>important</a:t>
+                <a:cs typeface="Times New Roman" panose="02020603050405020304" pitchFamily="18" charset="0"/>
+              </a:rPr>
+              <a:t>remains</a:t>
             </a:r>
             <a:r>
               <a:rPr lang="tr-TR" dirty="0">
                 <a:effectLst/>
                 <a:latin typeface="+mj-lt"/>
                 <a:ea typeface="Calibri" panose="020F0502020204030204" pitchFamily="34" charset="0"/>
+                <a:cs typeface="Times New Roman" panose="02020603050405020304" pitchFamily="18" charset="0"/>
               </a:rPr>
               <a:t> </a:t>
             </a:r>
@@ -8152,46 +7487,70 @@
                 <a:effectLst/>
                 <a:latin typeface="+mj-lt"/>
                 <a:ea typeface="Calibri" panose="020F0502020204030204" pitchFamily="34" charset="0"/>
-              </a:rPr>
-              <a:t>part</a:t>
+                <a:cs typeface="Times New Roman" panose="02020603050405020304" pitchFamily="18" charset="0"/>
+              </a:rPr>
+              <a:t>maintainable</a:t>
             </a:r>
             <a:r>
               <a:rPr lang="tr-TR" dirty="0">
                 <a:effectLst/>
                 <a:latin typeface="+mj-lt"/>
                 <a:ea typeface="Calibri" panose="020F0502020204030204" pitchFamily="34" charset="0"/>
-              </a:rPr>
-              <a:t> of </a:t>
+                <a:cs typeface="Times New Roman" panose="02020603050405020304" pitchFamily="18" charset="0"/>
+              </a:rPr>
+              <a:t> </a:t>
             </a:r>
             <a:r>
               <a:rPr lang="tr-TR" dirty="0" err="1">
                 <a:effectLst/>
                 <a:latin typeface="+mj-lt"/>
                 <a:ea typeface="Calibri" panose="020F0502020204030204" pitchFamily="34" charset="0"/>
-              </a:rPr>
-              <a:t>the</a:t>
+                <a:cs typeface="Times New Roman" panose="02020603050405020304" pitchFamily="18" charset="0"/>
+              </a:rPr>
+              <a:t>and</a:t>
             </a:r>
             <a:r>
               <a:rPr lang="tr-TR" dirty="0">
                 <a:effectLst/>
                 <a:latin typeface="+mj-lt"/>
                 <a:ea typeface="Calibri" panose="020F0502020204030204" pitchFamily="34" charset="0"/>
-              </a:rPr>
-              <a:t> software </a:t>
+                <a:cs typeface="Times New Roman" panose="02020603050405020304" pitchFamily="18" charset="0"/>
+              </a:rPr>
+              <a:t> </a:t>
             </a:r>
             <a:r>
               <a:rPr lang="tr-TR" dirty="0" err="1">
                 <a:effectLst/>
                 <a:latin typeface="+mj-lt"/>
                 <a:ea typeface="Calibri" panose="020F0502020204030204" pitchFamily="34" charset="0"/>
-              </a:rPr>
-              <a:t>development</a:t>
+                <a:cs typeface="Times New Roman" panose="02020603050405020304" pitchFamily="18" charset="0"/>
+              </a:rPr>
+              <a:t>up-to-date</a:t>
             </a:r>
             <a:r>
               <a:rPr lang="tr-TR" dirty="0">
                 <a:effectLst/>
                 <a:latin typeface="+mj-lt"/>
                 <a:ea typeface="Calibri" panose="020F0502020204030204" pitchFamily="34" charset="0"/>
+                <a:cs typeface="Times New Roman" panose="02020603050405020304" pitchFamily="18" charset="0"/>
+              </a:rPr>
+              <a:t> as </a:t>
+            </a:r>
+            <a:r>
+              <a:rPr lang="tr-TR" dirty="0" err="1">
+                <a:effectLst/>
+                <a:latin typeface="+mj-lt"/>
+                <a:ea typeface="Calibri" panose="020F0502020204030204" pitchFamily="34" charset="0"/>
+                <a:cs typeface="Times New Roman" panose="02020603050405020304" pitchFamily="18" charset="0"/>
+              </a:rPr>
+              <a:t>new</a:t>
+            </a:r>
+            <a:r>
+              <a:rPr lang="tr-TR" dirty="0">
+                <a:effectLst/>
+                <a:latin typeface="+mj-lt"/>
+                <a:ea typeface="Calibri" panose="020F0502020204030204" pitchFamily="34" charset="0"/>
+                <a:cs typeface="Times New Roman" panose="02020603050405020304" pitchFamily="18" charset="0"/>
               </a:rPr>
               <a:t> </a:t>
             </a:r>
@@ -8200,30 +7559,34 @@
                 <a:effectLst/>
                 <a:latin typeface="+mj-lt"/>
                 <a:ea typeface="Calibri" panose="020F0502020204030204" pitchFamily="34" charset="0"/>
-              </a:rPr>
-              <a:t>process</a:t>
+                <a:cs typeface="Times New Roman" panose="02020603050405020304" pitchFamily="18" charset="0"/>
+              </a:rPr>
+              <a:t>requirements</a:t>
             </a:r>
             <a:r>
               <a:rPr lang="tr-TR" dirty="0">
                 <a:effectLst/>
                 <a:latin typeface="+mj-lt"/>
                 <a:ea typeface="Calibri" panose="020F0502020204030204" pitchFamily="34" charset="0"/>
-              </a:rPr>
-              <a:t>, as they </a:t>
+                <a:cs typeface="Times New Roman" panose="02020603050405020304" pitchFamily="18" charset="0"/>
+              </a:rPr>
+              <a:t> </a:t>
             </a:r>
             <a:r>
               <a:rPr lang="tr-TR" dirty="0" err="1">
                 <a:effectLst/>
                 <a:latin typeface="+mj-lt"/>
                 <a:ea typeface="Calibri" panose="020F0502020204030204" pitchFamily="34" charset="0"/>
-              </a:rPr>
-              <a:t>help</a:t>
+                <a:cs typeface="Times New Roman" panose="02020603050405020304" pitchFamily="18" charset="0"/>
+              </a:rPr>
+              <a:t>or</a:t>
             </a:r>
             <a:r>
               <a:rPr lang="tr-TR" dirty="0">
                 <a:effectLst/>
                 <a:latin typeface="+mj-lt"/>
                 <a:ea typeface="Calibri" panose="020F0502020204030204" pitchFamily="34" charset="0"/>
+                <a:cs typeface="Times New Roman" panose="02020603050405020304" pitchFamily="18" charset="0"/>
               </a:rPr>
               <a:t> </a:t>
             </a:r>
@@ -8232,14 +7595,16 @@
                 <a:effectLst/>
                 <a:latin typeface="+mj-lt"/>
                 <a:ea typeface="Calibri" panose="020F0502020204030204" pitchFamily="34" charset="0"/>
-              </a:rPr>
-              <a:t>to</a:t>
+                <a:cs typeface="Times New Roman" panose="02020603050405020304" pitchFamily="18" charset="0"/>
+              </a:rPr>
+              <a:t>technologies</a:t>
             </a:r>
             <a:r>
               <a:rPr lang="tr-TR" dirty="0">
                 <a:effectLst/>
                 <a:latin typeface="+mj-lt"/>
                 <a:ea typeface="Calibri" panose="020F0502020204030204" pitchFamily="34" charset="0"/>
+                <a:cs typeface="Times New Roman" panose="02020603050405020304" pitchFamily="18" charset="0"/>
               </a:rPr>
               <a:t> </a:t>
             </a:r>
@@ -8248,663 +7613,22 @@
                 <a:effectLst/>
                 <a:latin typeface="+mj-lt"/>
                 <a:ea typeface="Calibri" panose="020F0502020204030204" pitchFamily="34" charset="0"/>
-              </a:rPr>
-              <a:t>ensure</a:t>
+                <a:cs typeface="Times New Roman" panose="02020603050405020304" pitchFamily="18" charset="0"/>
+              </a:rPr>
+              <a:t>emerge</a:t>
             </a:r>
             <a:r>
               <a:rPr lang="tr-TR" dirty="0">
                 <a:effectLst/>
                 <a:latin typeface="+mj-lt"/>
                 <a:ea typeface="Calibri" panose="020F0502020204030204" pitchFamily="34" charset="0"/>
-              </a:rPr>
-              <a:t> </a:t>
-            </a:r>
-            <a:r>
-              <a:rPr lang="tr-TR" dirty="0" err="1">
-                <a:effectLst/>
-                <a:latin typeface="+mj-lt"/>
-                <a:ea typeface="Calibri" panose="020F0502020204030204" pitchFamily="34" charset="0"/>
-              </a:rPr>
-              <a:t>that</a:t>
-            </a:r>
-            <a:r>
-              <a:rPr lang="tr-TR" dirty="0">
-                <a:effectLst/>
-                <a:latin typeface="+mj-lt"/>
-                <a:ea typeface="Calibri" panose="020F0502020204030204" pitchFamily="34" charset="0"/>
-              </a:rPr>
-              <a:t> </a:t>
-            </a:r>
-            <a:r>
-              <a:rPr lang="tr-TR" dirty="0" err="1">
-                <a:effectLst/>
-                <a:latin typeface="+mj-lt"/>
-                <a:ea typeface="Calibri" panose="020F0502020204030204" pitchFamily="34" charset="0"/>
-              </a:rPr>
-              <a:t>the</a:t>
-            </a:r>
-            <a:r>
-              <a:rPr lang="tr-TR" dirty="0">
-                <a:effectLst/>
-                <a:latin typeface="+mj-lt"/>
-                <a:ea typeface="Calibri" panose="020F0502020204030204" pitchFamily="34" charset="0"/>
-              </a:rPr>
-              <a:t> </a:t>
-            </a:r>
-            <a:r>
-              <a:rPr lang="tr-TR" dirty="0" err="1">
-                <a:effectLst/>
-                <a:latin typeface="+mj-lt"/>
-                <a:ea typeface="Calibri" panose="020F0502020204030204" pitchFamily="34" charset="0"/>
-              </a:rPr>
-              <a:t>serializer</a:t>
-            </a:r>
-            <a:r>
-              <a:rPr lang="tr-TR" dirty="0">
-                <a:effectLst/>
-                <a:latin typeface="+mj-lt"/>
-                <a:ea typeface="Calibri" panose="020F0502020204030204" pitchFamily="34" charset="0"/>
-              </a:rPr>
-              <a:t> </a:t>
-            </a:r>
-            <a:r>
-              <a:rPr lang="tr-TR" dirty="0" err="1">
-                <a:effectLst/>
-                <a:latin typeface="+mj-lt"/>
-                <a:ea typeface="Calibri" panose="020F0502020204030204" pitchFamily="34" charset="0"/>
-              </a:rPr>
-              <a:t>works</a:t>
-            </a:r>
-            <a:r>
-              <a:rPr lang="tr-TR" dirty="0">
-                <a:effectLst/>
-                <a:latin typeface="+mj-lt"/>
-                <a:ea typeface="Calibri" panose="020F0502020204030204" pitchFamily="34" charset="0"/>
-              </a:rPr>
-              <a:t> </a:t>
-            </a:r>
-            <a:r>
-              <a:rPr lang="tr-TR" dirty="0" err="1">
-                <a:effectLst/>
-                <a:latin typeface="+mj-lt"/>
-                <a:ea typeface="Calibri" panose="020F0502020204030204" pitchFamily="34" charset="0"/>
-              </a:rPr>
-              <a:t>correctly</a:t>
-            </a:r>
-            <a:r>
-              <a:rPr lang="tr-TR" dirty="0">
-                <a:effectLst/>
-                <a:latin typeface="+mj-lt"/>
-                <a:ea typeface="Calibri" panose="020F0502020204030204" pitchFamily="34" charset="0"/>
-              </a:rPr>
-              <a:t> </a:t>
-            </a:r>
-            <a:r>
-              <a:rPr lang="tr-TR" dirty="0" err="1">
-                <a:effectLst/>
-                <a:latin typeface="+mj-lt"/>
-                <a:ea typeface="Calibri" panose="020F0502020204030204" pitchFamily="34" charset="0"/>
-              </a:rPr>
-              <a:t>and</a:t>
-            </a:r>
-            <a:r>
-              <a:rPr lang="tr-TR" dirty="0">
-                <a:effectLst/>
-                <a:latin typeface="+mj-lt"/>
-                <a:ea typeface="Calibri" panose="020F0502020204030204" pitchFamily="34" charset="0"/>
-              </a:rPr>
-              <a:t> is </a:t>
-            </a:r>
-            <a:r>
-              <a:rPr lang="tr-TR" dirty="0" err="1">
-                <a:effectLst/>
-                <a:latin typeface="+mj-lt"/>
-                <a:ea typeface="Calibri" panose="020F0502020204030204" pitchFamily="34" charset="0"/>
-              </a:rPr>
-              <a:t>free</a:t>
-            </a:r>
-            <a:r>
-              <a:rPr lang="tr-TR" dirty="0">
-                <a:effectLst/>
-                <a:latin typeface="+mj-lt"/>
-                <a:ea typeface="Calibri" panose="020F0502020204030204" pitchFamily="34" charset="0"/>
-              </a:rPr>
-              <a:t> of </a:t>
-            </a:r>
-            <a:r>
-              <a:rPr lang="tr-TR" dirty="0" err="1">
-                <a:effectLst/>
-                <a:latin typeface="+mj-lt"/>
-                <a:ea typeface="Calibri" panose="020F0502020204030204" pitchFamily="34" charset="0"/>
-              </a:rPr>
-              <a:t>bugs</a:t>
-            </a:r>
-            <a:r>
-              <a:rPr lang="tr-TR" dirty="0">
-                <a:effectLst/>
-                <a:latin typeface="+mj-lt"/>
-                <a:ea typeface="Calibri" panose="020F0502020204030204" pitchFamily="34" charset="0"/>
-              </a:rPr>
-              <a:t> </a:t>
-            </a:r>
-            <a:r>
-              <a:rPr lang="tr-TR" dirty="0" err="1">
-                <a:effectLst/>
-                <a:latin typeface="+mj-lt"/>
-                <a:ea typeface="Calibri" panose="020F0502020204030204" pitchFamily="34" charset="0"/>
-              </a:rPr>
-              <a:t>or</a:t>
-            </a:r>
-            <a:r>
-              <a:rPr lang="tr-TR" dirty="0">
-                <a:effectLst/>
-                <a:latin typeface="+mj-lt"/>
-                <a:ea typeface="Calibri" panose="020F0502020204030204" pitchFamily="34" charset="0"/>
-              </a:rPr>
-              <a:t> </a:t>
-            </a:r>
-            <a:r>
-              <a:rPr lang="tr-TR" dirty="0" err="1">
-                <a:effectLst/>
-                <a:latin typeface="+mj-lt"/>
-                <a:ea typeface="Calibri" panose="020F0502020204030204" pitchFamily="34" charset="0"/>
-              </a:rPr>
-              <a:t>errors</a:t>
-            </a:r>
-            <a:r>
-              <a:rPr lang="tr-TR" dirty="0">
-                <a:effectLst/>
-                <a:latin typeface="+mj-lt"/>
-                <a:ea typeface="Calibri" panose="020F0502020204030204" pitchFamily="34" charset="0"/>
-              </a:rPr>
-              <a:t>.</a:t>
-            </a:r>
-          </a:p>
-          <a:p>
-            <a:r>
-              <a:rPr lang="en-US" dirty="0">
-                <a:latin typeface="+mj-lt"/>
-              </a:rPr>
-              <a:t>Sometimes some unit tests related to our project may give errors when we debug. We are also making some changes in the source code to eliminate these errors.</a:t>
-            </a:r>
-            <a:endParaRPr lang="tr-TR" dirty="0">
+                <a:cs typeface="Times New Roman" panose="02020603050405020304" pitchFamily="18" charset="0"/>
+              </a:rPr>
+              <a:t>. </a:t>
+            </a:r>
+            <a:endParaRPr lang="en-IN" dirty="0">
               <a:latin typeface="+mj-lt"/>
             </a:endParaRPr>
-          </a:p>
-          <a:p>
-            <a:r>
-              <a:rPr lang="tr-TR" sz="1800" dirty="0">
-                <a:effectLst/>
-                <a:latin typeface="Calibri" panose="020F0502020204030204" pitchFamily="34" charset="0"/>
-                <a:ea typeface="Calibri" panose="020F0502020204030204" pitchFamily="34" charset="0"/>
-                <a:cs typeface="Times New Roman" panose="02020603050405020304" pitchFamily="18" charset="0"/>
-              </a:rPr>
-              <a:t> </a:t>
-            </a:r>
-            <a:r>
-              <a:rPr lang="tr-TR" dirty="0" err="1">
-                <a:effectLst/>
-                <a:latin typeface="+mj-lt"/>
-                <a:ea typeface="Calibri" panose="020F0502020204030204" pitchFamily="34" charset="0"/>
-                <a:cs typeface="Times New Roman" panose="02020603050405020304" pitchFamily="18" charset="0"/>
-              </a:rPr>
-              <a:t>Refactoring</a:t>
-            </a:r>
-            <a:r>
-              <a:rPr lang="tr-TR" dirty="0">
-                <a:effectLst/>
-                <a:latin typeface="+mj-lt"/>
-                <a:ea typeface="Calibri" panose="020F0502020204030204" pitchFamily="34" charset="0"/>
-                <a:cs typeface="Times New Roman" panose="02020603050405020304" pitchFamily="18" charset="0"/>
-              </a:rPr>
-              <a:t>: </a:t>
-            </a:r>
-            <a:r>
-              <a:rPr lang="tr-TR" dirty="0" err="1">
-                <a:effectLst/>
-                <a:latin typeface="+mj-lt"/>
-                <a:ea typeface="Calibri" panose="020F0502020204030204" pitchFamily="34" charset="0"/>
-                <a:cs typeface="Times New Roman" panose="02020603050405020304" pitchFamily="18" charset="0"/>
-              </a:rPr>
-              <a:t>Refactoring</a:t>
-            </a:r>
-            <a:r>
-              <a:rPr lang="tr-TR" dirty="0">
-                <a:effectLst/>
-                <a:latin typeface="+mj-lt"/>
-                <a:ea typeface="Calibri" panose="020F0502020204030204" pitchFamily="34" charset="0"/>
-                <a:cs typeface="Times New Roman" panose="02020603050405020304" pitchFamily="18" charset="0"/>
-              </a:rPr>
-              <a:t> a </a:t>
-            </a:r>
-            <a:r>
-              <a:rPr lang="tr-TR" dirty="0" err="1">
-                <a:effectLst/>
-                <a:latin typeface="+mj-lt"/>
-                <a:ea typeface="Calibri" panose="020F0502020204030204" pitchFamily="34" charset="0"/>
-                <a:cs typeface="Times New Roman" panose="02020603050405020304" pitchFamily="18" charset="0"/>
-              </a:rPr>
-              <a:t>Hierarchical</a:t>
-            </a:r>
-            <a:r>
-              <a:rPr lang="tr-TR" dirty="0">
-                <a:effectLst/>
-                <a:latin typeface="+mj-lt"/>
-                <a:ea typeface="Calibri" panose="020F0502020204030204" pitchFamily="34" charset="0"/>
-                <a:cs typeface="Times New Roman" panose="02020603050405020304" pitchFamily="18" charset="0"/>
-              </a:rPr>
-              <a:t> Temporal Memory (HTM) </a:t>
-            </a:r>
-            <a:r>
-              <a:rPr lang="tr-TR" dirty="0" err="1">
-                <a:effectLst/>
-                <a:latin typeface="+mj-lt"/>
-                <a:ea typeface="Calibri" panose="020F0502020204030204" pitchFamily="34" charset="0"/>
-                <a:cs typeface="Times New Roman" panose="02020603050405020304" pitchFamily="18" charset="0"/>
-              </a:rPr>
-              <a:t>serializer</a:t>
-            </a:r>
-            <a:r>
-              <a:rPr lang="tr-TR" dirty="0">
-                <a:effectLst/>
-                <a:latin typeface="+mj-lt"/>
-                <a:ea typeface="Calibri" panose="020F0502020204030204" pitchFamily="34" charset="0"/>
-                <a:cs typeface="Times New Roman" panose="02020603050405020304" pitchFamily="18" charset="0"/>
-              </a:rPr>
-              <a:t> </a:t>
-            </a:r>
-            <a:r>
-              <a:rPr lang="tr-TR" dirty="0" err="1">
-                <a:effectLst/>
-                <a:latin typeface="+mj-lt"/>
-                <a:ea typeface="Calibri" panose="020F0502020204030204" pitchFamily="34" charset="0"/>
-                <a:cs typeface="Times New Roman" panose="02020603050405020304" pitchFamily="18" charset="0"/>
-              </a:rPr>
-              <a:t>would</a:t>
-            </a:r>
-            <a:r>
-              <a:rPr lang="tr-TR" dirty="0">
-                <a:effectLst/>
-                <a:latin typeface="+mj-lt"/>
-                <a:ea typeface="Calibri" panose="020F0502020204030204" pitchFamily="34" charset="0"/>
-                <a:cs typeface="Times New Roman" panose="02020603050405020304" pitchFamily="18" charset="0"/>
-              </a:rPr>
-              <a:t> </a:t>
-            </a:r>
-            <a:r>
-              <a:rPr lang="tr-TR" dirty="0" err="1">
-                <a:effectLst/>
-                <a:latin typeface="+mj-lt"/>
-                <a:ea typeface="Calibri" panose="020F0502020204030204" pitchFamily="34" charset="0"/>
-                <a:cs typeface="Times New Roman" panose="02020603050405020304" pitchFamily="18" charset="0"/>
-              </a:rPr>
-              <a:t>involve</a:t>
-            </a:r>
-            <a:r>
-              <a:rPr lang="tr-TR" dirty="0">
-                <a:effectLst/>
-                <a:latin typeface="+mj-lt"/>
-                <a:ea typeface="Calibri" panose="020F0502020204030204" pitchFamily="34" charset="0"/>
-                <a:cs typeface="Times New Roman" panose="02020603050405020304" pitchFamily="18" charset="0"/>
-              </a:rPr>
-              <a:t> </a:t>
-            </a:r>
-            <a:r>
-              <a:rPr lang="tr-TR" dirty="0" err="1">
-                <a:effectLst/>
-                <a:latin typeface="+mj-lt"/>
-                <a:ea typeface="Calibri" panose="020F0502020204030204" pitchFamily="34" charset="0"/>
-                <a:cs typeface="Times New Roman" panose="02020603050405020304" pitchFamily="18" charset="0"/>
-              </a:rPr>
-              <a:t>making</a:t>
-            </a:r>
-            <a:r>
-              <a:rPr lang="tr-TR" dirty="0">
-                <a:effectLst/>
-                <a:latin typeface="+mj-lt"/>
-                <a:ea typeface="Calibri" panose="020F0502020204030204" pitchFamily="34" charset="0"/>
-                <a:cs typeface="Times New Roman" panose="02020603050405020304" pitchFamily="18" charset="0"/>
-              </a:rPr>
-              <a:t> </a:t>
-            </a:r>
-            <a:r>
-              <a:rPr lang="tr-TR" dirty="0" err="1">
-                <a:effectLst/>
-                <a:latin typeface="+mj-lt"/>
-                <a:ea typeface="Calibri" panose="020F0502020204030204" pitchFamily="34" charset="0"/>
-                <a:cs typeface="Times New Roman" panose="02020603050405020304" pitchFamily="18" charset="0"/>
-              </a:rPr>
-              <a:t>improvements</a:t>
-            </a:r>
-            <a:r>
-              <a:rPr lang="tr-TR" dirty="0">
-                <a:effectLst/>
-                <a:latin typeface="+mj-lt"/>
-                <a:ea typeface="Calibri" panose="020F0502020204030204" pitchFamily="34" charset="0"/>
-                <a:cs typeface="Times New Roman" panose="02020603050405020304" pitchFamily="18" charset="0"/>
-              </a:rPr>
-              <a:t> </a:t>
-            </a:r>
-            <a:r>
-              <a:rPr lang="tr-TR" dirty="0" err="1">
-                <a:effectLst/>
-                <a:latin typeface="+mj-lt"/>
-                <a:ea typeface="Calibri" panose="020F0502020204030204" pitchFamily="34" charset="0"/>
-                <a:cs typeface="Times New Roman" panose="02020603050405020304" pitchFamily="18" charset="0"/>
-              </a:rPr>
-              <a:t>to</a:t>
-            </a:r>
-            <a:r>
-              <a:rPr lang="tr-TR" dirty="0">
-                <a:effectLst/>
-                <a:latin typeface="+mj-lt"/>
-                <a:ea typeface="Calibri" panose="020F0502020204030204" pitchFamily="34" charset="0"/>
-                <a:cs typeface="Times New Roman" panose="02020603050405020304" pitchFamily="18" charset="0"/>
-              </a:rPr>
-              <a:t> </a:t>
-            </a:r>
-            <a:r>
-              <a:rPr lang="tr-TR" dirty="0" err="1">
-                <a:effectLst/>
-                <a:latin typeface="+mj-lt"/>
-                <a:ea typeface="Calibri" panose="020F0502020204030204" pitchFamily="34" charset="0"/>
-                <a:cs typeface="Times New Roman" panose="02020603050405020304" pitchFamily="18" charset="0"/>
-              </a:rPr>
-              <a:t>the</a:t>
-            </a:r>
-            <a:r>
-              <a:rPr lang="tr-TR" dirty="0">
-                <a:effectLst/>
-                <a:latin typeface="+mj-lt"/>
-                <a:ea typeface="Calibri" panose="020F0502020204030204" pitchFamily="34" charset="0"/>
-                <a:cs typeface="Times New Roman" panose="02020603050405020304" pitchFamily="18" charset="0"/>
-              </a:rPr>
-              <a:t> </a:t>
-            </a:r>
-            <a:r>
-              <a:rPr lang="tr-TR" dirty="0" err="1">
-                <a:effectLst/>
-                <a:latin typeface="+mj-lt"/>
-                <a:ea typeface="Calibri" panose="020F0502020204030204" pitchFamily="34" charset="0"/>
-                <a:cs typeface="Times New Roman" panose="02020603050405020304" pitchFamily="18" charset="0"/>
-              </a:rPr>
-              <a:t>design</a:t>
-            </a:r>
-            <a:r>
-              <a:rPr lang="tr-TR" dirty="0">
-                <a:latin typeface="+mj-lt"/>
-                <a:ea typeface="Calibri" panose="020F0502020204030204" pitchFamily="34" charset="0"/>
-                <a:cs typeface="Times New Roman" panose="02020603050405020304" pitchFamily="18" charset="0"/>
-              </a:rPr>
-              <a:t> </a:t>
-            </a:r>
-            <a:r>
-              <a:rPr lang="tr-TR" dirty="0">
-                <a:effectLst/>
-                <a:latin typeface="+mj-lt"/>
-                <a:ea typeface="Calibri" panose="020F0502020204030204" pitchFamily="34" charset="0"/>
-                <a:cs typeface="Times New Roman" panose="02020603050405020304" pitchFamily="18" charset="0"/>
-              </a:rPr>
-              <a:t>of </a:t>
-            </a:r>
-            <a:r>
-              <a:rPr lang="tr-TR" dirty="0" err="1">
-                <a:effectLst/>
-                <a:latin typeface="+mj-lt"/>
-                <a:ea typeface="Calibri" panose="020F0502020204030204" pitchFamily="34" charset="0"/>
-                <a:cs typeface="Times New Roman" panose="02020603050405020304" pitchFamily="18" charset="0"/>
-              </a:rPr>
-              <a:t>the</a:t>
-            </a:r>
-            <a:r>
-              <a:rPr lang="tr-TR" dirty="0">
-                <a:effectLst/>
-                <a:latin typeface="+mj-lt"/>
-                <a:ea typeface="Calibri" panose="020F0502020204030204" pitchFamily="34" charset="0"/>
-                <a:cs typeface="Times New Roman" panose="02020603050405020304" pitchFamily="18" charset="0"/>
-              </a:rPr>
-              <a:t> </a:t>
-            </a:r>
-            <a:r>
-              <a:rPr lang="tr-TR" dirty="0" err="1">
-                <a:effectLst/>
-                <a:latin typeface="+mj-lt"/>
-                <a:ea typeface="Calibri" panose="020F0502020204030204" pitchFamily="34" charset="0"/>
-                <a:cs typeface="Times New Roman" panose="02020603050405020304" pitchFamily="18" charset="0"/>
-              </a:rPr>
-              <a:t>serializer</a:t>
-            </a:r>
-            <a:r>
-              <a:rPr lang="tr-TR" dirty="0">
-                <a:effectLst/>
-                <a:latin typeface="+mj-lt"/>
-                <a:ea typeface="Calibri" panose="020F0502020204030204" pitchFamily="34" charset="0"/>
-                <a:cs typeface="Times New Roman" panose="02020603050405020304" pitchFamily="18" charset="0"/>
-              </a:rPr>
-              <a:t> </a:t>
-            </a:r>
-            <a:r>
-              <a:rPr lang="tr-TR" dirty="0" err="1">
-                <a:effectLst/>
-                <a:latin typeface="+mj-lt"/>
-                <a:ea typeface="Calibri" panose="020F0502020204030204" pitchFamily="34" charset="0"/>
-                <a:cs typeface="Times New Roman" panose="02020603050405020304" pitchFamily="18" charset="0"/>
-              </a:rPr>
-              <a:t>without</a:t>
-            </a:r>
-            <a:r>
-              <a:rPr lang="tr-TR" dirty="0">
-                <a:effectLst/>
-                <a:latin typeface="+mj-lt"/>
-                <a:ea typeface="Calibri" panose="020F0502020204030204" pitchFamily="34" charset="0"/>
-                <a:cs typeface="Times New Roman" panose="02020603050405020304" pitchFamily="18" charset="0"/>
-              </a:rPr>
-              <a:t> </a:t>
-            </a:r>
-            <a:r>
-              <a:rPr lang="tr-TR" dirty="0" err="1">
-                <a:effectLst/>
-                <a:latin typeface="+mj-lt"/>
-                <a:ea typeface="Calibri" panose="020F0502020204030204" pitchFamily="34" charset="0"/>
-                <a:cs typeface="Times New Roman" panose="02020603050405020304" pitchFamily="18" charset="0"/>
-              </a:rPr>
-              <a:t>changing</a:t>
-            </a:r>
-            <a:r>
-              <a:rPr lang="tr-TR" dirty="0">
-                <a:effectLst/>
-                <a:latin typeface="+mj-lt"/>
-                <a:ea typeface="Calibri" panose="020F0502020204030204" pitchFamily="34" charset="0"/>
-                <a:cs typeface="Times New Roman" panose="02020603050405020304" pitchFamily="18" charset="0"/>
-              </a:rPr>
-              <a:t> </a:t>
-            </a:r>
-            <a:r>
-              <a:rPr lang="tr-TR" dirty="0" err="1">
-                <a:effectLst/>
-                <a:latin typeface="+mj-lt"/>
-                <a:ea typeface="Calibri" panose="020F0502020204030204" pitchFamily="34" charset="0"/>
-                <a:cs typeface="Times New Roman" panose="02020603050405020304" pitchFamily="18" charset="0"/>
-              </a:rPr>
-              <a:t>its</a:t>
-            </a:r>
-            <a:r>
-              <a:rPr lang="tr-TR" dirty="0">
-                <a:effectLst/>
-                <a:latin typeface="+mj-lt"/>
-                <a:ea typeface="Calibri" panose="020F0502020204030204" pitchFamily="34" charset="0"/>
-                <a:cs typeface="Times New Roman" panose="02020603050405020304" pitchFamily="18" charset="0"/>
-              </a:rPr>
-              <a:t> </a:t>
-            </a:r>
-            <a:r>
-              <a:rPr lang="tr-TR" dirty="0" err="1">
-                <a:effectLst/>
-                <a:latin typeface="+mj-lt"/>
-                <a:ea typeface="Calibri" panose="020F0502020204030204" pitchFamily="34" charset="0"/>
-                <a:cs typeface="Times New Roman" panose="02020603050405020304" pitchFamily="18" charset="0"/>
-              </a:rPr>
-              <a:t>overall</a:t>
-            </a:r>
-            <a:r>
-              <a:rPr lang="tr-TR" dirty="0">
-                <a:effectLst/>
-                <a:latin typeface="+mj-lt"/>
-                <a:ea typeface="Calibri" panose="020F0502020204030204" pitchFamily="34" charset="0"/>
-                <a:cs typeface="Times New Roman" panose="02020603050405020304" pitchFamily="18" charset="0"/>
-              </a:rPr>
-              <a:t> </a:t>
-            </a:r>
-            <a:r>
-              <a:rPr lang="tr-TR" dirty="0" err="1">
-                <a:effectLst/>
-                <a:latin typeface="+mj-lt"/>
-                <a:ea typeface="Calibri" panose="020F0502020204030204" pitchFamily="34" charset="0"/>
-                <a:cs typeface="Times New Roman" panose="02020603050405020304" pitchFamily="18" charset="0"/>
-              </a:rPr>
-              <a:t>purpose</a:t>
-            </a:r>
-            <a:r>
-              <a:rPr lang="tr-TR" dirty="0">
-                <a:effectLst/>
-                <a:latin typeface="+mj-lt"/>
-                <a:ea typeface="Calibri" panose="020F0502020204030204" pitchFamily="34" charset="0"/>
-                <a:cs typeface="Times New Roman" panose="02020603050405020304" pitchFamily="18" charset="0"/>
-              </a:rPr>
-              <a:t>. </a:t>
-            </a:r>
-            <a:r>
-              <a:rPr lang="tr-TR" dirty="0" err="1">
-                <a:effectLst/>
-                <a:latin typeface="+mj-lt"/>
-                <a:ea typeface="Calibri" panose="020F0502020204030204" pitchFamily="34" charset="0"/>
-                <a:cs typeface="Times New Roman" panose="02020603050405020304" pitchFamily="18" charset="0"/>
-              </a:rPr>
-              <a:t>This</a:t>
-            </a:r>
-            <a:r>
-              <a:rPr lang="tr-TR" dirty="0">
-                <a:effectLst/>
-                <a:latin typeface="+mj-lt"/>
-                <a:ea typeface="Calibri" panose="020F0502020204030204" pitchFamily="34" charset="0"/>
-                <a:cs typeface="Times New Roman" panose="02020603050405020304" pitchFamily="18" charset="0"/>
-              </a:rPr>
-              <a:t> can be </a:t>
-            </a:r>
-            <a:r>
-              <a:rPr lang="tr-TR" dirty="0" err="1">
-                <a:effectLst/>
-                <a:latin typeface="+mj-lt"/>
-                <a:ea typeface="Calibri" panose="020F0502020204030204" pitchFamily="34" charset="0"/>
-                <a:cs typeface="Times New Roman" panose="02020603050405020304" pitchFamily="18" charset="0"/>
-              </a:rPr>
-              <a:t>particularly</a:t>
-            </a:r>
-            <a:r>
-              <a:rPr lang="tr-TR" dirty="0">
-                <a:effectLst/>
-                <a:latin typeface="+mj-lt"/>
-                <a:ea typeface="Calibri" panose="020F0502020204030204" pitchFamily="34" charset="0"/>
-                <a:cs typeface="Times New Roman" panose="02020603050405020304" pitchFamily="18" charset="0"/>
-              </a:rPr>
-              <a:t> </a:t>
-            </a:r>
-            <a:r>
-              <a:rPr lang="tr-TR" dirty="0" err="1">
-                <a:effectLst/>
-                <a:latin typeface="+mj-lt"/>
-                <a:ea typeface="Calibri" panose="020F0502020204030204" pitchFamily="34" charset="0"/>
-                <a:cs typeface="Times New Roman" panose="02020603050405020304" pitchFamily="18" charset="0"/>
-              </a:rPr>
-              <a:t>important</a:t>
-            </a:r>
-            <a:r>
-              <a:rPr lang="tr-TR" dirty="0">
-                <a:effectLst/>
-                <a:latin typeface="+mj-lt"/>
-                <a:ea typeface="Calibri" panose="020F0502020204030204" pitchFamily="34" charset="0"/>
-                <a:cs typeface="Times New Roman" panose="02020603050405020304" pitchFamily="18" charset="0"/>
-              </a:rPr>
-              <a:t> in </a:t>
-            </a:r>
-            <a:r>
-              <a:rPr lang="tr-TR" dirty="0" err="1">
-                <a:effectLst/>
-                <a:latin typeface="+mj-lt"/>
-                <a:ea typeface="Calibri" panose="020F0502020204030204" pitchFamily="34" charset="0"/>
-                <a:cs typeface="Times New Roman" panose="02020603050405020304" pitchFamily="18" charset="0"/>
-              </a:rPr>
-              <a:t>the</a:t>
-            </a:r>
-            <a:r>
-              <a:rPr lang="tr-TR" dirty="0">
-                <a:effectLst/>
-                <a:latin typeface="+mj-lt"/>
-                <a:ea typeface="Calibri" panose="020F0502020204030204" pitchFamily="34" charset="0"/>
-                <a:cs typeface="Times New Roman" panose="02020603050405020304" pitchFamily="18" charset="0"/>
-              </a:rPr>
-              <a:t> </a:t>
-            </a:r>
-            <a:r>
-              <a:rPr lang="tr-TR" dirty="0" err="1">
-                <a:effectLst/>
-                <a:latin typeface="+mj-lt"/>
-                <a:ea typeface="Calibri" panose="020F0502020204030204" pitchFamily="34" charset="0"/>
-                <a:cs typeface="Times New Roman" panose="02020603050405020304" pitchFamily="18" charset="0"/>
-              </a:rPr>
-              <a:t>field</a:t>
-            </a:r>
-            <a:r>
-              <a:rPr lang="tr-TR" dirty="0">
-                <a:effectLst/>
-                <a:latin typeface="+mj-lt"/>
-                <a:ea typeface="Calibri" panose="020F0502020204030204" pitchFamily="34" charset="0"/>
-                <a:cs typeface="Times New Roman" panose="02020603050405020304" pitchFamily="18" charset="0"/>
-              </a:rPr>
-              <a:t> of </a:t>
-            </a:r>
-            <a:r>
-              <a:rPr lang="tr-TR" dirty="0" err="1">
-                <a:effectLst/>
-                <a:latin typeface="+mj-lt"/>
-                <a:ea typeface="Calibri" panose="020F0502020204030204" pitchFamily="34" charset="0"/>
-                <a:cs typeface="Times New Roman" panose="02020603050405020304" pitchFamily="18" charset="0"/>
-              </a:rPr>
-              <a:t>machine</a:t>
-            </a:r>
-            <a:r>
-              <a:rPr lang="tr-TR" dirty="0">
-                <a:effectLst/>
-                <a:latin typeface="+mj-lt"/>
-                <a:ea typeface="Calibri" panose="020F0502020204030204" pitchFamily="34" charset="0"/>
-                <a:cs typeface="Times New Roman" panose="02020603050405020304" pitchFamily="18" charset="0"/>
-              </a:rPr>
-              <a:t> </a:t>
-            </a:r>
-            <a:r>
-              <a:rPr lang="tr-TR" dirty="0" err="1">
-                <a:effectLst/>
-                <a:latin typeface="+mj-lt"/>
-                <a:ea typeface="Calibri" panose="020F0502020204030204" pitchFamily="34" charset="0"/>
-                <a:cs typeface="Times New Roman" panose="02020603050405020304" pitchFamily="18" charset="0"/>
-              </a:rPr>
-              <a:t>learning</a:t>
-            </a:r>
-            <a:r>
-              <a:rPr lang="tr-TR" dirty="0">
-                <a:effectLst/>
-                <a:latin typeface="+mj-lt"/>
-                <a:ea typeface="Calibri" panose="020F0502020204030204" pitchFamily="34" charset="0"/>
-                <a:cs typeface="Times New Roman" panose="02020603050405020304" pitchFamily="18" charset="0"/>
-              </a:rPr>
-              <a:t>.</a:t>
-            </a:r>
-            <a:endParaRPr lang="en-US" dirty="0">
-              <a:latin typeface="+mj-lt"/>
-            </a:endParaRPr>
-          </a:p>
-          <a:p>
-            <a:endParaRPr lang="en-IN" dirty="0"/>
           </a:p>
         </p:txBody>
       </p:sp>
@@ -8993,6 +7717,27 @@
             <a:pPr marL="0" indent="0">
               <a:buNone/>
             </a:pPr>
+            <a:endParaRPr lang="tr-TR" dirty="0">
+              <a:effectLst/>
+              <a:latin typeface="Calibri" panose="020F0502020204030204" pitchFamily="34" charset="0"/>
+              <a:ea typeface="Calibri" panose="020F0502020204030204" pitchFamily="34" charset="0"/>
+              <a:cs typeface="Times New Roman" panose="02020603050405020304" pitchFamily="18" charset="0"/>
+            </a:endParaRPr>
+          </a:p>
+          <a:p>
+            <a:pPr marL="0" indent="0">
+              <a:buNone/>
+            </a:pPr>
+            <a:endParaRPr lang="tr-TR" dirty="0">
+              <a:latin typeface="Calibri" panose="020F0502020204030204" pitchFamily="34" charset="0"/>
+              <a:ea typeface="Calibri" panose="020F0502020204030204" pitchFamily="34" charset="0"/>
+              <a:cs typeface="Times New Roman" panose="02020603050405020304" pitchFamily="18" charset="0"/>
+            </a:endParaRPr>
+          </a:p>
+          <a:p>
+            <a:pPr marL="0" indent="0">
+              <a:buNone/>
+            </a:pPr>
             <a:r>
               <a:rPr lang="tr-TR" dirty="0" err="1">
                 <a:effectLst/>
@@ -9225,7 +7970,7 @@
                 <a:ea typeface="Calibri" panose="020F0502020204030204" pitchFamily="34" charset="0"/>
                 <a:cs typeface="Times New Roman" panose="02020603050405020304" pitchFamily="18" charset="0"/>
               </a:rPr>
-              <a:t>) </a:t>
+              <a:t>). </a:t>
             </a:r>
             <a:r>
               <a:rPr lang="tr-TR" dirty="0" err="1">
@@ -9389,773 +8134,6 @@
               </a:rPr>
               <a:t>. </a:t>
             </a:r>
-          </a:p>
-          <a:p>
-            <a:pPr marL="0" indent="0">
-              <a:buNone/>
-            </a:pPr>
-            <a:r>
-              <a:rPr lang="tr-TR" dirty="0" err="1">
-                <a:effectLst/>
-                <a:latin typeface="Calibri" panose="020F0502020204030204" pitchFamily="34" charset="0"/>
-                <a:ea typeface="Calibri" panose="020F0502020204030204" pitchFamily="34" charset="0"/>
-                <a:cs typeface="Times New Roman" panose="02020603050405020304" pitchFamily="18" charset="0"/>
-              </a:rPr>
-              <a:t>In</a:t>
-            </a:r>
-            <a:r>
-              <a:rPr lang="tr-TR" dirty="0">
-                <a:effectLst/>
-                <a:latin typeface="Calibri" panose="020F0502020204030204" pitchFamily="34" charset="0"/>
-                <a:ea typeface="Calibri" panose="020F0502020204030204" pitchFamily="34" charset="0"/>
-                <a:cs typeface="Times New Roman" panose="02020603050405020304" pitchFamily="18" charset="0"/>
-              </a:rPr>
-              <a:t> </a:t>
-            </a:r>
-            <a:r>
-              <a:rPr lang="tr-TR" dirty="0" err="1">
-                <a:effectLst/>
-                <a:latin typeface="Calibri" panose="020F0502020204030204" pitchFamily="34" charset="0"/>
-                <a:ea typeface="Calibri" panose="020F0502020204030204" pitchFamily="34" charset="0"/>
-                <a:cs typeface="Times New Roman" panose="02020603050405020304" pitchFamily="18" charset="0"/>
-              </a:rPr>
-              <a:t>order</a:t>
-            </a:r>
-            <a:r>
-              <a:rPr lang="tr-TR" dirty="0">
-                <a:effectLst/>
-                <a:latin typeface="Calibri" panose="020F0502020204030204" pitchFamily="34" charset="0"/>
-                <a:ea typeface="Calibri" panose="020F0502020204030204" pitchFamily="34" charset="0"/>
-                <a:cs typeface="Times New Roman" panose="02020603050405020304" pitchFamily="18" charset="0"/>
-              </a:rPr>
-              <a:t> </a:t>
-            </a:r>
-            <a:r>
-              <a:rPr lang="tr-TR" dirty="0" err="1">
-                <a:effectLst/>
-                <a:latin typeface="Calibri" panose="020F0502020204030204" pitchFamily="34" charset="0"/>
-                <a:ea typeface="Calibri" panose="020F0502020204030204" pitchFamily="34" charset="0"/>
-                <a:cs typeface="Times New Roman" panose="02020603050405020304" pitchFamily="18" charset="0"/>
-              </a:rPr>
-              <a:t>to</a:t>
-            </a:r>
-            <a:r>
-              <a:rPr lang="tr-TR" dirty="0">
-                <a:effectLst/>
-                <a:latin typeface="Calibri" panose="020F0502020204030204" pitchFamily="34" charset="0"/>
-                <a:ea typeface="Calibri" panose="020F0502020204030204" pitchFamily="34" charset="0"/>
-                <a:cs typeface="Times New Roman" panose="02020603050405020304" pitchFamily="18" charset="0"/>
-              </a:rPr>
-              <a:t> do </a:t>
-            </a:r>
-            <a:r>
-              <a:rPr lang="tr-TR" dirty="0" err="1">
-                <a:effectLst/>
-                <a:latin typeface="Calibri" panose="020F0502020204030204" pitchFamily="34" charset="0"/>
-                <a:ea typeface="Calibri" panose="020F0502020204030204" pitchFamily="34" charset="0"/>
-                <a:cs typeface="Times New Roman" panose="02020603050405020304" pitchFamily="18" charset="0"/>
-              </a:rPr>
-              <a:t>that</a:t>
-            </a:r>
-            <a:r>
-              <a:rPr lang="tr-TR" dirty="0">
-                <a:effectLst/>
-                <a:latin typeface="Calibri" panose="020F0502020204030204" pitchFamily="34" charset="0"/>
-                <a:ea typeface="Calibri" panose="020F0502020204030204" pitchFamily="34" charset="0"/>
-                <a:cs typeface="Times New Roman" panose="02020603050405020304" pitchFamily="18" charset="0"/>
-              </a:rPr>
-              <a:t>, </a:t>
-            </a:r>
-            <a:r>
-              <a:rPr lang="tr-TR" dirty="0" err="1">
-                <a:effectLst/>
-                <a:latin typeface="Calibri" panose="020F0502020204030204" pitchFamily="34" charset="0"/>
-                <a:ea typeface="Calibri" panose="020F0502020204030204" pitchFamily="34" charset="0"/>
-                <a:cs typeface="Times New Roman" panose="02020603050405020304" pitchFamily="18" charset="0"/>
-              </a:rPr>
-              <a:t>we</a:t>
-            </a:r>
-            <a:r>
-              <a:rPr lang="tr-TR" dirty="0">
-                <a:effectLst/>
-                <a:latin typeface="Calibri" panose="020F0502020204030204" pitchFamily="34" charset="0"/>
-                <a:ea typeface="Calibri" panose="020F0502020204030204" pitchFamily="34" charset="0"/>
-                <a:cs typeface="Times New Roman" panose="02020603050405020304" pitchFamily="18" charset="0"/>
-              </a:rPr>
-              <a:t> </a:t>
-            </a:r>
-            <a:r>
-              <a:rPr lang="tr-TR" dirty="0" err="1">
-                <a:effectLst/>
-                <a:latin typeface="Calibri" panose="020F0502020204030204" pitchFamily="34" charset="0"/>
-                <a:ea typeface="Calibri" panose="020F0502020204030204" pitchFamily="34" charset="0"/>
-                <a:cs typeface="Times New Roman" panose="02020603050405020304" pitchFamily="18" charset="0"/>
-              </a:rPr>
-              <a:t>are</a:t>
-            </a:r>
-            <a:r>
-              <a:rPr lang="tr-TR" dirty="0">
-                <a:effectLst/>
-                <a:latin typeface="Calibri" panose="020F0502020204030204" pitchFamily="34" charset="0"/>
-                <a:ea typeface="Calibri" panose="020F0502020204030204" pitchFamily="34" charset="0"/>
-                <a:cs typeface="Times New Roman" panose="02020603050405020304" pitchFamily="18" charset="0"/>
-              </a:rPr>
-              <a:t> </a:t>
-            </a:r>
-            <a:r>
-              <a:rPr lang="tr-TR" dirty="0" err="1">
-                <a:effectLst/>
-                <a:latin typeface="Calibri" panose="020F0502020204030204" pitchFamily="34" charset="0"/>
-                <a:ea typeface="Calibri" panose="020F0502020204030204" pitchFamily="34" charset="0"/>
-                <a:cs typeface="Times New Roman" panose="02020603050405020304" pitchFamily="18" charset="0"/>
-              </a:rPr>
-              <a:t>going</a:t>
-            </a:r>
-            <a:r>
-              <a:rPr lang="tr-TR" dirty="0">
-                <a:effectLst/>
-                <a:latin typeface="Calibri" panose="020F0502020204030204" pitchFamily="34" charset="0"/>
-                <a:ea typeface="Calibri" panose="020F0502020204030204" pitchFamily="34" charset="0"/>
-                <a:cs typeface="Times New Roman" panose="02020603050405020304" pitchFamily="18" charset="0"/>
-              </a:rPr>
-              <a:t> </a:t>
-            </a:r>
-            <a:r>
-              <a:rPr lang="tr-TR" dirty="0" err="1">
-                <a:effectLst/>
-                <a:latin typeface="Calibri" panose="020F0502020204030204" pitchFamily="34" charset="0"/>
-                <a:ea typeface="Calibri" panose="020F0502020204030204" pitchFamily="34" charset="0"/>
-                <a:cs typeface="Times New Roman" panose="02020603050405020304" pitchFamily="18" charset="0"/>
-              </a:rPr>
-              <a:t>to</a:t>
-            </a:r>
-            <a:r>
-              <a:rPr lang="tr-TR" dirty="0">
-                <a:effectLst/>
-                <a:latin typeface="Calibri" panose="020F0502020204030204" pitchFamily="34" charset="0"/>
-                <a:ea typeface="Calibri" panose="020F0502020204030204" pitchFamily="34" charset="0"/>
-                <a:cs typeface="Times New Roman" panose="02020603050405020304" pitchFamily="18" charset="0"/>
-              </a:rPr>
-              <a:t> </a:t>
-            </a:r>
-            <a:r>
-              <a:rPr lang="tr-TR" dirty="0" err="1">
-                <a:effectLst/>
-                <a:latin typeface="Calibri" panose="020F0502020204030204" pitchFamily="34" charset="0"/>
-                <a:ea typeface="Calibri" panose="020F0502020204030204" pitchFamily="34" charset="0"/>
-                <a:cs typeface="Times New Roman" panose="02020603050405020304" pitchFamily="18" charset="0"/>
-              </a:rPr>
-              <a:t>separate</a:t>
-            </a:r>
-            <a:r>
-              <a:rPr lang="tr-TR" dirty="0">
-                <a:effectLst/>
-                <a:latin typeface="Calibri" panose="020F0502020204030204" pitchFamily="34" charset="0"/>
-                <a:ea typeface="Calibri" panose="020F0502020204030204" pitchFamily="34" charset="0"/>
-                <a:cs typeface="Times New Roman" panose="02020603050405020304" pitchFamily="18" charset="0"/>
-              </a:rPr>
-              <a:t> </a:t>
-            </a:r>
-            <a:r>
-              <a:rPr lang="tr-TR" dirty="0" err="1">
-                <a:effectLst/>
-                <a:latin typeface="Calibri" panose="020F0502020204030204" pitchFamily="34" charset="0"/>
-                <a:ea typeface="Calibri" panose="020F0502020204030204" pitchFamily="34" charset="0"/>
-                <a:cs typeface="Times New Roman" panose="02020603050405020304" pitchFamily="18" charset="0"/>
-              </a:rPr>
-              <a:t>the</a:t>
-            </a:r>
-            <a:r>
-              <a:rPr lang="tr-TR" dirty="0">
-                <a:effectLst/>
-                <a:latin typeface="Calibri" panose="020F0502020204030204" pitchFamily="34" charset="0"/>
-                <a:ea typeface="Calibri" panose="020F0502020204030204" pitchFamily="34" charset="0"/>
-                <a:cs typeface="Times New Roman" panose="02020603050405020304" pitchFamily="18" charset="0"/>
-              </a:rPr>
-              <a:t> </a:t>
-            </a:r>
-            <a:r>
-              <a:rPr lang="tr-TR" dirty="0" err="1">
-                <a:effectLst/>
-                <a:latin typeface="Calibri" panose="020F0502020204030204" pitchFamily="34" charset="0"/>
-                <a:ea typeface="Calibri" panose="020F0502020204030204" pitchFamily="34" charset="0"/>
-                <a:cs typeface="Times New Roman" panose="02020603050405020304" pitchFamily="18" charset="0"/>
-              </a:rPr>
-              <a:t>methods</a:t>
-            </a:r>
-            <a:r>
-              <a:rPr lang="tr-TR" dirty="0">
-                <a:effectLst/>
-                <a:latin typeface="Calibri" panose="020F0502020204030204" pitchFamily="34" charset="0"/>
-                <a:ea typeface="Calibri" panose="020F0502020204030204" pitchFamily="34" charset="0"/>
-                <a:cs typeface="Times New Roman" panose="02020603050405020304" pitchFamily="18" charset="0"/>
-              </a:rPr>
-              <a:t> </a:t>
-            </a:r>
-            <a:r>
-              <a:rPr lang="tr-TR" dirty="0" err="1">
-                <a:effectLst/>
-                <a:latin typeface="Calibri" panose="020F0502020204030204" pitchFamily="34" charset="0"/>
-                <a:ea typeface="Calibri" panose="020F0502020204030204" pitchFamily="34" charset="0"/>
-                <a:cs typeface="Times New Roman" panose="02020603050405020304" pitchFamily="18" charset="0"/>
-              </a:rPr>
-              <a:t>that</a:t>
-            </a:r>
-            <a:r>
-              <a:rPr lang="tr-TR" dirty="0">
-                <a:effectLst/>
-                <a:latin typeface="Calibri" panose="020F0502020204030204" pitchFamily="34" charset="0"/>
-                <a:ea typeface="Calibri" panose="020F0502020204030204" pitchFamily="34" charset="0"/>
-                <a:cs typeface="Times New Roman" panose="02020603050405020304" pitchFamily="18" charset="0"/>
-              </a:rPr>
-              <a:t> </a:t>
-            </a:r>
-            <a:r>
-              <a:rPr lang="tr-TR" dirty="0" err="1">
-                <a:effectLst/>
-                <a:latin typeface="Calibri" panose="020F0502020204030204" pitchFamily="34" charset="0"/>
-                <a:ea typeface="Calibri" panose="020F0502020204030204" pitchFamily="34" charset="0"/>
-                <a:cs typeface="Times New Roman" panose="02020603050405020304" pitchFamily="18" charset="0"/>
-              </a:rPr>
-              <a:t>use</a:t>
-            </a:r>
-            <a:r>
-              <a:rPr lang="tr-TR" dirty="0">
-                <a:effectLst/>
-                <a:latin typeface="Calibri" panose="020F0502020204030204" pitchFamily="34" charset="0"/>
-                <a:ea typeface="Calibri" panose="020F0502020204030204" pitchFamily="34" charset="0"/>
-                <a:cs typeface="Times New Roman" panose="02020603050405020304" pitchFamily="18" charset="0"/>
-              </a:rPr>
-              <a:t> </a:t>
-            </a:r>
-            <a:r>
-              <a:rPr lang="tr-TR" dirty="0" err="1">
-                <a:effectLst/>
-                <a:latin typeface="Calibri" panose="020F0502020204030204" pitchFamily="34" charset="0"/>
-                <a:ea typeface="Calibri" panose="020F0502020204030204" pitchFamily="34" charset="0"/>
-                <a:cs typeface="Times New Roman" panose="02020603050405020304" pitchFamily="18" charset="0"/>
-              </a:rPr>
-              <a:t>serialize</a:t>
-            </a:r>
-            <a:r>
-              <a:rPr lang="tr-TR" dirty="0">
-                <a:effectLst/>
-                <a:latin typeface="Calibri" panose="020F0502020204030204" pitchFamily="34" charset="0"/>
-                <a:ea typeface="Calibri" panose="020F0502020204030204" pitchFamily="34" charset="0"/>
-                <a:cs typeface="Times New Roman" panose="02020603050405020304" pitchFamily="18" charset="0"/>
-              </a:rPr>
-              <a:t> </a:t>
-            </a:r>
-            <a:r>
-              <a:rPr lang="tr-TR" dirty="0" err="1">
-                <a:effectLst/>
-                <a:latin typeface="Calibri" panose="020F0502020204030204" pitchFamily="34" charset="0"/>
-                <a:ea typeface="Calibri" panose="020F0502020204030204" pitchFamily="34" charset="0"/>
-                <a:cs typeface="Times New Roman" panose="02020603050405020304" pitchFamily="18" charset="0"/>
-              </a:rPr>
-              <a:t>and</a:t>
-            </a:r>
-            <a:r>
-              <a:rPr lang="tr-TR" dirty="0">
-                <a:effectLst/>
-                <a:latin typeface="Calibri" panose="020F0502020204030204" pitchFamily="34" charset="0"/>
-                <a:ea typeface="Calibri" panose="020F0502020204030204" pitchFamily="34" charset="0"/>
-                <a:cs typeface="Times New Roman" panose="02020603050405020304" pitchFamily="18" charset="0"/>
-              </a:rPr>
-              <a:t> </a:t>
-            </a:r>
-            <a:r>
-              <a:rPr lang="tr-TR" dirty="0" err="1">
-                <a:effectLst/>
-                <a:latin typeface="Calibri" panose="020F0502020204030204" pitchFamily="34" charset="0"/>
-                <a:ea typeface="Calibri" panose="020F0502020204030204" pitchFamily="34" charset="0"/>
-                <a:cs typeface="Times New Roman" panose="02020603050405020304" pitchFamily="18" charset="0"/>
-              </a:rPr>
-              <a:t>deserialize</a:t>
-            </a:r>
-            <a:r>
-              <a:rPr lang="tr-TR" dirty="0">
-                <a:effectLst/>
-                <a:latin typeface="Calibri" panose="020F0502020204030204" pitchFamily="34" charset="0"/>
-                <a:ea typeface="Calibri" panose="020F0502020204030204" pitchFamily="34" charset="0"/>
-                <a:cs typeface="Times New Roman" panose="02020603050405020304" pitchFamily="18" charset="0"/>
-              </a:rPr>
-              <a:t> in two </a:t>
-            </a:r>
-            <a:r>
-              <a:rPr lang="tr-TR" dirty="0" err="1">
-                <a:effectLst/>
-                <a:latin typeface="Calibri" panose="020F0502020204030204" pitchFamily="34" charset="0"/>
-                <a:ea typeface="Calibri" panose="020F0502020204030204" pitchFamily="34" charset="0"/>
-                <a:cs typeface="Times New Roman" panose="02020603050405020304" pitchFamily="18" charset="0"/>
-              </a:rPr>
-              <a:t>classes</a:t>
-            </a:r>
-            <a:r>
-              <a:rPr lang="tr-TR" dirty="0">
-                <a:effectLst/>
-                <a:latin typeface="Calibri" panose="020F0502020204030204" pitchFamily="34" charset="0"/>
-                <a:ea typeface="Calibri" panose="020F0502020204030204" pitchFamily="34" charset="0"/>
-                <a:cs typeface="Times New Roman" panose="02020603050405020304" pitchFamily="18" charset="0"/>
-              </a:rPr>
-              <a:t>. </a:t>
-            </a:r>
-          </a:p>
-          <a:p>
-            <a:pPr marL="0" indent="0">
-              <a:buNone/>
-            </a:pPr>
-            <a:r>
-              <a:rPr lang="tr-TR" dirty="0" err="1">
-                <a:effectLst/>
-                <a:latin typeface="Calibri" panose="020F0502020204030204" pitchFamily="34" charset="0"/>
-                <a:ea typeface="Calibri" panose="020F0502020204030204" pitchFamily="34" charset="0"/>
-                <a:cs typeface="Times New Roman" panose="02020603050405020304" pitchFamily="18" charset="0"/>
-              </a:rPr>
-              <a:t>The</a:t>
-            </a:r>
-            <a:r>
-              <a:rPr lang="tr-TR" dirty="0">
-                <a:effectLst/>
-                <a:latin typeface="Calibri" panose="020F0502020204030204" pitchFamily="34" charset="0"/>
-                <a:ea typeface="Calibri" panose="020F0502020204030204" pitchFamily="34" charset="0"/>
-                <a:cs typeface="Times New Roman" panose="02020603050405020304" pitchFamily="18" charset="0"/>
-              </a:rPr>
-              <a:t> </a:t>
-            </a:r>
-            <a:r>
-              <a:rPr lang="tr-TR" dirty="0" err="1">
-                <a:effectLst/>
-                <a:latin typeface="Calibri" panose="020F0502020204030204" pitchFamily="34" charset="0"/>
-                <a:ea typeface="Calibri" panose="020F0502020204030204" pitchFamily="34" charset="0"/>
-                <a:cs typeface="Times New Roman" panose="02020603050405020304" pitchFamily="18" charset="0"/>
-              </a:rPr>
-              <a:t>class</a:t>
-            </a:r>
-            <a:r>
-              <a:rPr lang="tr-TR" dirty="0">
-                <a:effectLst/>
-                <a:latin typeface="Calibri" panose="020F0502020204030204" pitchFamily="34" charset="0"/>
-                <a:ea typeface="Calibri" panose="020F0502020204030204" pitchFamily="34" charset="0"/>
-                <a:cs typeface="Times New Roman" panose="02020603050405020304" pitchFamily="18" charset="0"/>
-              </a:rPr>
-              <a:t> 1 </a:t>
-            </a:r>
-            <a:r>
-              <a:rPr lang="tr-TR" dirty="0" err="1">
-                <a:effectLst/>
-                <a:latin typeface="Calibri" panose="020F0502020204030204" pitchFamily="34" charset="0"/>
-                <a:ea typeface="Calibri" panose="020F0502020204030204" pitchFamily="34" charset="0"/>
-                <a:cs typeface="Times New Roman" panose="02020603050405020304" pitchFamily="18" charset="0"/>
-              </a:rPr>
-              <a:t>will</a:t>
-            </a:r>
-            <a:r>
-              <a:rPr lang="tr-TR" dirty="0">
-                <a:effectLst/>
-                <a:latin typeface="Calibri" panose="020F0502020204030204" pitchFamily="34" charset="0"/>
-                <a:ea typeface="Calibri" panose="020F0502020204030204" pitchFamily="34" charset="0"/>
-                <a:cs typeface="Times New Roman" panose="02020603050405020304" pitchFamily="18" charset="0"/>
-              </a:rPr>
-              <a:t> </a:t>
-            </a:r>
-            <a:r>
-              <a:rPr lang="tr-TR" dirty="0" err="1">
-                <a:effectLst/>
-                <a:latin typeface="Calibri" panose="020F0502020204030204" pitchFamily="34" charset="0"/>
-                <a:ea typeface="Calibri" panose="020F0502020204030204" pitchFamily="34" charset="0"/>
-                <a:cs typeface="Times New Roman" panose="02020603050405020304" pitchFamily="18" charset="0"/>
-              </a:rPr>
-              <a:t>correspond</a:t>
-            </a:r>
-            <a:r>
-              <a:rPr lang="tr-TR" dirty="0">
-                <a:effectLst/>
-                <a:latin typeface="Calibri" panose="020F0502020204030204" pitchFamily="34" charset="0"/>
-                <a:ea typeface="Calibri" panose="020F0502020204030204" pitchFamily="34" charset="0"/>
-                <a:cs typeface="Times New Roman" panose="02020603050405020304" pitchFamily="18" charset="0"/>
-              </a:rPr>
-              <a:t> </a:t>
-            </a:r>
-            <a:r>
-              <a:rPr lang="tr-TR" dirty="0" err="1">
-                <a:effectLst/>
-                <a:latin typeface="Calibri" panose="020F0502020204030204" pitchFamily="34" charset="0"/>
-                <a:ea typeface="Calibri" panose="020F0502020204030204" pitchFamily="34" charset="0"/>
-                <a:cs typeface="Times New Roman" panose="02020603050405020304" pitchFamily="18" charset="0"/>
-              </a:rPr>
-              <a:t>to</a:t>
-            </a:r>
-            <a:r>
-              <a:rPr lang="tr-TR" dirty="0">
-                <a:effectLst/>
-                <a:latin typeface="Calibri" panose="020F0502020204030204" pitchFamily="34" charset="0"/>
-                <a:ea typeface="Calibri" panose="020F0502020204030204" pitchFamily="34" charset="0"/>
-                <a:cs typeface="Times New Roman" panose="02020603050405020304" pitchFamily="18" charset="0"/>
-              </a:rPr>
-              <a:t> </a:t>
-            </a:r>
-            <a:r>
-              <a:rPr lang="tr-TR" dirty="0" err="1">
-                <a:effectLst/>
-                <a:latin typeface="Calibri" panose="020F0502020204030204" pitchFamily="34" charset="0"/>
-                <a:ea typeface="Calibri" panose="020F0502020204030204" pitchFamily="34" charset="0"/>
-                <a:cs typeface="Times New Roman" panose="02020603050405020304" pitchFamily="18" charset="0"/>
-              </a:rPr>
-              <a:t>those</a:t>
-            </a:r>
-            <a:r>
-              <a:rPr lang="tr-TR" dirty="0">
-                <a:effectLst/>
-                <a:latin typeface="Calibri" panose="020F0502020204030204" pitchFamily="34" charset="0"/>
-                <a:ea typeface="Calibri" panose="020F0502020204030204" pitchFamily="34" charset="0"/>
-                <a:cs typeface="Times New Roman" panose="02020603050405020304" pitchFamily="18" charset="0"/>
-              </a:rPr>
-              <a:t> </a:t>
-            </a:r>
-            <a:r>
-              <a:rPr lang="tr-TR" dirty="0" err="1">
-                <a:effectLst/>
-                <a:latin typeface="Calibri" panose="020F0502020204030204" pitchFamily="34" charset="0"/>
-                <a:ea typeface="Calibri" panose="020F0502020204030204" pitchFamily="34" charset="0"/>
-                <a:cs typeface="Times New Roman" panose="02020603050405020304" pitchFamily="18" charset="0"/>
-              </a:rPr>
-              <a:t>methods</a:t>
-            </a:r>
-            <a:r>
-              <a:rPr lang="tr-TR" dirty="0">
-                <a:effectLst/>
-                <a:latin typeface="Calibri" panose="020F0502020204030204" pitchFamily="34" charset="0"/>
-                <a:ea typeface="Calibri" panose="020F0502020204030204" pitchFamily="34" charset="0"/>
-                <a:cs typeface="Times New Roman" panose="02020603050405020304" pitchFamily="18" charset="0"/>
-              </a:rPr>
-              <a:t> </a:t>
-            </a:r>
-            <a:r>
-              <a:rPr lang="tr-TR" dirty="0" err="1">
-                <a:effectLst/>
-                <a:latin typeface="Calibri" panose="020F0502020204030204" pitchFamily="34" charset="0"/>
-                <a:ea typeface="Calibri" panose="020F0502020204030204" pitchFamily="34" charset="0"/>
-                <a:cs typeface="Times New Roman" panose="02020603050405020304" pitchFamily="18" charset="0"/>
-              </a:rPr>
-              <a:t>that</a:t>
-            </a:r>
-            <a:r>
-              <a:rPr lang="tr-TR" dirty="0">
-                <a:effectLst/>
-                <a:latin typeface="Calibri" panose="020F0502020204030204" pitchFamily="34" charset="0"/>
-                <a:ea typeface="Calibri" panose="020F0502020204030204" pitchFamily="34" charset="0"/>
-                <a:cs typeface="Times New Roman" panose="02020603050405020304" pitchFamily="18" charset="0"/>
-              </a:rPr>
-              <a:t> </a:t>
-            </a:r>
-            <a:r>
-              <a:rPr lang="tr-TR" dirty="0" err="1">
-                <a:effectLst/>
-                <a:latin typeface="Calibri" panose="020F0502020204030204" pitchFamily="34" charset="0"/>
-                <a:ea typeface="Calibri" panose="020F0502020204030204" pitchFamily="34" charset="0"/>
-                <a:cs typeface="Times New Roman" panose="02020603050405020304" pitchFamily="18" charset="0"/>
-              </a:rPr>
-              <a:t>are</a:t>
-            </a:r>
-            <a:r>
-              <a:rPr lang="tr-TR" dirty="0">
-                <a:effectLst/>
-                <a:latin typeface="Calibri" panose="020F0502020204030204" pitchFamily="34" charset="0"/>
-                <a:ea typeface="Calibri" panose="020F0502020204030204" pitchFamily="34" charset="0"/>
-                <a:cs typeface="Times New Roman" panose="02020603050405020304" pitchFamily="18" charset="0"/>
-              </a:rPr>
-              <a:t> </a:t>
-            </a:r>
-            <a:r>
-              <a:rPr lang="tr-TR" dirty="0" err="1">
-                <a:effectLst/>
-                <a:latin typeface="Calibri" panose="020F0502020204030204" pitchFamily="34" charset="0"/>
-                <a:ea typeface="Calibri" panose="020F0502020204030204" pitchFamily="34" charset="0"/>
-                <a:cs typeface="Times New Roman" panose="02020603050405020304" pitchFamily="18" charset="0"/>
-              </a:rPr>
-              <a:t>formatting</a:t>
-            </a:r>
-            <a:r>
-              <a:rPr lang="tr-TR" dirty="0">
-                <a:effectLst/>
-                <a:latin typeface="Calibri" panose="020F0502020204030204" pitchFamily="34" charset="0"/>
-                <a:ea typeface="Calibri" panose="020F0502020204030204" pitchFamily="34" charset="0"/>
-                <a:cs typeface="Times New Roman" panose="02020603050405020304" pitchFamily="18" charset="0"/>
-              </a:rPr>
-              <a:t> </a:t>
-            </a:r>
-            <a:r>
-              <a:rPr lang="tr-TR" dirty="0" err="1">
-                <a:effectLst/>
-                <a:latin typeface="Calibri" panose="020F0502020204030204" pitchFamily="34" charset="0"/>
-                <a:ea typeface="Calibri" panose="020F0502020204030204" pitchFamily="34" charset="0"/>
-                <a:cs typeface="Times New Roman" panose="02020603050405020304" pitchFamily="18" charset="0"/>
-              </a:rPr>
-              <a:t>the</a:t>
-            </a:r>
-            <a:r>
-              <a:rPr lang="tr-TR" dirty="0">
-                <a:effectLst/>
-                <a:latin typeface="Calibri" panose="020F0502020204030204" pitchFamily="34" charset="0"/>
-                <a:ea typeface="Calibri" panose="020F0502020204030204" pitchFamily="34" charset="0"/>
-                <a:cs typeface="Times New Roman" panose="02020603050405020304" pitchFamily="18" charset="0"/>
-              </a:rPr>
-              <a:t> </a:t>
-            </a:r>
-            <a:r>
-              <a:rPr lang="tr-TR" dirty="0" err="1">
-                <a:effectLst/>
-                <a:latin typeface="Calibri" panose="020F0502020204030204" pitchFamily="34" charset="0"/>
-                <a:ea typeface="Calibri" panose="020F0502020204030204" pitchFamily="34" charset="0"/>
-                <a:cs typeface="Times New Roman" panose="02020603050405020304" pitchFamily="18" charset="0"/>
-              </a:rPr>
-              <a:t>code</a:t>
-            </a:r>
-            <a:r>
-              <a:rPr lang="tr-TR" dirty="0">
-                <a:effectLst/>
-                <a:latin typeface="Calibri" panose="020F0502020204030204" pitchFamily="34" charset="0"/>
-                <a:ea typeface="Calibri" panose="020F0502020204030204" pitchFamily="34" charset="0"/>
-                <a:cs typeface="Times New Roman" panose="02020603050405020304" pitchFamily="18" charset="0"/>
-              </a:rPr>
-              <a:t> </a:t>
-            </a:r>
-            <a:r>
-              <a:rPr lang="tr-TR" dirty="0" err="1">
-                <a:effectLst/>
-                <a:latin typeface="Calibri" panose="020F0502020204030204" pitchFamily="34" charset="0"/>
-                <a:ea typeface="Calibri" panose="020F0502020204030204" pitchFamily="34" charset="0"/>
-                <a:cs typeface="Times New Roman" panose="02020603050405020304" pitchFamily="18" charset="0"/>
-              </a:rPr>
-              <a:t>while</a:t>
-            </a:r>
-            <a:r>
-              <a:rPr lang="tr-TR" dirty="0">
-                <a:effectLst/>
-                <a:latin typeface="Calibri" panose="020F0502020204030204" pitchFamily="34" charset="0"/>
-                <a:ea typeface="Calibri" panose="020F0502020204030204" pitchFamily="34" charset="0"/>
-                <a:cs typeface="Times New Roman" panose="02020603050405020304" pitchFamily="18" charset="0"/>
-              </a:rPr>
-              <a:t> </a:t>
-            </a:r>
-            <a:r>
-              <a:rPr lang="tr-TR" dirty="0" err="1">
-                <a:effectLst/>
-                <a:latin typeface="Calibri" panose="020F0502020204030204" pitchFamily="34" charset="0"/>
-                <a:ea typeface="Calibri" panose="020F0502020204030204" pitchFamily="34" charset="0"/>
-                <a:cs typeface="Times New Roman" panose="02020603050405020304" pitchFamily="18" charset="0"/>
-              </a:rPr>
-              <a:t>the</a:t>
-            </a:r>
-            <a:r>
-              <a:rPr lang="tr-TR" dirty="0">
-                <a:effectLst/>
-                <a:latin typeface="Calibri" panose="020F0502020204030204" pitchFamily="34" charset="0"/>
-                <a:ea typeface="Calibri" panose="020F0502020204030204" pitchFamily="34" charset="0"/>
-                <a:cs typeface="Times New Roman" panose="02020603050405020304" pitchFamily="18" charset="0"/>
-              </a:rPr>
-              <a:t> </a:t>
-            </a:r>
-            <a:r>
-              <a:rPr lang="tr-TR" dirty="0" err="1">
-                <a:effectLst/>
-                <a:latin typeface="Calibri" panose="020F0502020204030204" pitchFamily="34" charset="0"/>
-                <a:ea typeface="Calibri" panose="020F0502020204030204" pitchFamily="34" charset="0"/>
-                <a:cs typeface="Times New Roman" panose="02020603050405020304" pitchFamily="18" charset="0"/>
-              </a:rPr>
-              <a:t>second</a:t>
-            </a:r>
-            <a:r>
-              <a:rPr lang="tr-TR" dirty="0">
-                <a:effectLst/>
-                <a:latin typeface="Calibri" panose="020F0502020204030204" pitchFamily="34" charset="0"/>
-                <a:ea typeface="Calibri" panose="020F0502020204030204" pitchFamily="34" charset="0"/>
-                <a:cs typeface="Times New Roman" panose="02020603050405020304" pitchFamily="18" charset="0"/>
-              </a:rPr>
-              <a:t> </a:t>
-            </a:r>
-            <a:r>
-              <a:rPr lang="tr-TR" dirty="0" err="1">
-                <a:effectLst/>
-                <a:latin typeface="Calibri" panose="020F0502020204030204" pitchFamily="34" charset="0"/>
-                <a:ea typeface="Calibri" panose="020F0502020204030204" pitchFamily="34" charset="0"/>
-                <a:cs typeface="Times New Roman" panose="02020603050405020304" pitchFamily="18" charset="0"/>
-              </a:rPr>
-              <a:t>class</a:t>
-            </a:r>
-            <a:r>
-              <a:rPr lang="tr-TR" dirty="0">
-                <a:effectLst/>
-                <a:latin typeface="Calibri" panose="020F0502020204030204" pitchFamily="34" charset="0"/>
-                <a:ea typeface="Calibri" panose="020F0502020204030204" pitchFamily="34" charset="0"/>
-                <a:cs typeface="Times New Roman" panose="02020603050405020304" pitchFamily="18" charset="0"/>
-              </a:rPr>
-              <a:t> </a:t>
-            </a:r>
-            <a:r>
-              <a:rPr lang="tr-TR" dirty="0" err="1">
-                <a:effectLst/>
-                <a:latin typeface="Calibri" panose="020F0502020204030204" pitchFamily="34" charset="0"/>
-                <a:ea typeface="Calibri" panose="020F0502020204030204" pitchFamily="34" charset="0"/>
-                <a:cs typeface="Times New Roman" panose="02020603050405020304" pitchFamily="18" charset="0"/>
-              </a:rPr>
-              <a:t>will</a:t>
-            </a:r>
-            <a:r>
-              <a:rPr lang="tr-TR" dirty="0">
-                <a:effectLst/>
-                <a:latin typeface="Calibri" panose="020F0502020204030204" pitchFamily="34" charset="0"/>
-                <a:ea typeface="Calibri" panose="020F0502020204030204" pitchFamily="34" charset="0"/>
-                <a:cs typeface="Times New Roman" panose="02020603050405020304" pitchFamily="18" charset="0"/>
-              </a:rPr>
-              <a:t> </a:t>
-            </a:r>
-            <a:r>
-              <a:rPr lang="tr-TR" dirty="0" err="1">
-                <a:effectLst/>
-                <a:latin typeface="Calibri" panose="020F0502020204030204" pitchFamily="34" charset="0"/>
-                <a:ea typeface="Calibri" panose="020F0502020204030204" pitchFamily="34" charset="0"/>
-                <a:cs typeface="Times New Roman" panose="02020603050405020304" pitchFamily="18" charset="0"/>
-              </a:rPr>
-              <a:t>correspond</a:t>
-            </a:r>
-            <a:r>
-              <a:rPr lang="tr-TR" dirty="0">
-                <a:effectLst/>
-                <a:latin typeface="Calibri" panose="020F0502020204030204" pitchFamily="34" charset="0"/>
-                <a:ea typeface="Calibri" panose="020F0502020204030204" pitchFamily="34" charset="0"/>
-                <a:cs typeface="Times New Roman" panose="02020603050405020304" pitchFamily="18" charset="0"/>
-              </a:rPr>
-              <a:t> </a:t>
-            </a:r>
-            <a:r>
-              <a:rPr lang="tr-TR" dirty="0" err="1">
-                <a:effectLst/>
-                <a:latin typeface="Calibri" panose="020F0502020204030204" pitchFamily="34" charset="0"/>
-                <a:ea typeface="Calibri" panose="020F0502020204030204" pitchFamily="34" charset="0"/>
-                <a:cs typeface="Times New Roman" panose="02020603050405020304" pitchFamily="18" charset="0"/>
-              </a:rPr>
-              <a:t>to</a:t>
-            </a:r>
-            <a:r>
-              <a:rPr lang="tr-TR" dirty="0">
-                <a:effectLst/>
-                <a:latin typeface="Calibri" panose="020F0502020204030204" pitchFamily="34" charset="0"/>
-                <a:ea typeface="Calibri" panose="020F0502020204030204" pitchFamily="34" charset="0"/>
-                <a:cs typeface="Times New Roman" panose="02020603050405020304" pitchFamily="18" charset="0"/>
-              </a:rPr>
-              <a:t> </a:t>
-            </a:r>
-            <a:r>
-              <a:rPr lang="tr-TR" dirty="0" err="1">
-                <a:effectLst/>
-                <a:latin typeface="Calibri" panose="020F0502020204030204" pitchFamily="34" charset="0"/>
-                <a:ea typeface="Calibri" panose="020F0502020204030204" pitchFamily="34" charset="0"/>
-                <a:cs typeface="Times New Roman" panose="02020603050405020304" pitchFamily="18" charset="0"/>
-              </a:rPr>
-              <a:t>the</a:t>
-            </a:r>
-            <a:r>
-              <a:rPr lang="tr-TR" dirty="0">
-                <a:effectLst/>
-                <a:latin typeface="Calibri" panose="020F0502020204030204" pitchFamily="34" charset="0"/>
-                <a:ea typeface="Calibri" panose="020F0502020204030204" pitchFamily="34" charset="0"/>
-                <a:cs typeface="Times New Roman" panose="02020603050405020304" pitchFamily="18" charset="0"/>
-              </a:rPr>
-              <a:t> </a:t>
-            </a:r>
-            <a:r>
-              <a:rPr lang="tr-TR" dirty="0" err="1">
-                <a:effectLst/>
-                <a:latin typeface="Calibri" panose="020F0502020204030204" pitchFamily="34" charset="0"/>
-                <a:ea typeface="Calibri" panose="020F0502020204030204" pitchFamily="34" charset="0"/>
-                <a:cs typeface="Times New Roman" panose="02020603050405020304" pitchFamily="18" charset="0"/>
-              </a:rPr>
-              <a:t>actual</a:t>
-            </a:r>
-            <a:r>
-              <a:rPr lang="tr-TR" dirty="0">
-                <a:effectLst/>
-                <a:latin typeface="Calibri" panose="020F0502020204030204" pitchFamily="34" charset="0"/>
-                <a:ea typeface="Calibri" panose="020F0502020204030204" pitchFamily="34" charset="0"/>
-                <a:cs typeface="Times New Roman" panose="02020603050405020304" pitchFamily="18" charset="0"/>
-              </a:rPr>
-              <a:t> </a:t>
-            </a:r>
-            <a:r>
-              <a:rPr lang="tr-TR" dirty="0" err="1">
-                <a:effectLst/>
-                <a:latin typeface="Calibri" panose="020F0502020204030204" pitchFamily="34" charset="0"/>
-                <a:ea typeface="Calibri" panose="020F0502020204030204" pitchFamily="34" charset="0"/>
-                <a:cs typeface="Times New Roman" panose="02020603050405020304" pitchFamily="18" charset="0"/>
-              </a:rPr>
-              <a:t>serializing</a:t>
-            </a:r>
-            <a:r>
-              <a:rPr lang="tr-TR" dirty="0">
-                <a:effectLst/>
-                <a:latin typeface="Calibri" panose="020F0502020204030204" pitchFamily="34" charset="0"/>
-                <a:ea typeface="Calibri" panose="020F0502020204030204" pitchFamily="34" charset="0"/>
-                <a:cs typeface="Times New Roman" panose="02020603050405020304" pitchFamily="18" charset="0"/>
-              </a:rPr>
-              <a:t> </a:t>
-            </a:r>
-            <a:r>
-              <a:rPr lang="tr-TR" dirty="0" err="1">
-                <a:effectLst/>
-                <a:latin typeface="Calibri" panose="020F0502020204030204" pitchFamily="34" charset="0"/>
-                <a:ea typeface="Calibri" panose="020F0502020204030204" pitchFamily="34" charset="0"/>
-                <a:cs typeface="Times New Roman" panose="02020603050405020304" pitchFamily="18" charset="0"/>
-              </a:rPr>
-              <a:t>and</a:t>
-            </a:r>
-            <a:r>
-              <a:rPr lang="tr-TR" dirty="0">
-                <a:effectLst/>
-                <a:latin typeface="Calibri" panose="020F0502020204030204" pitchFamily="34" charset="0"/>
-                <a:ea typeface="Calibri" panose="020F0502020204030204" pitchFamily="34" charset="0"/>
-                <a:cs typeface="Times New Roman" panose="02020603050405020304" pitchFamily="18" charset="0"/>
-              </a:rPr>
-              <a:t> </a:t>
-            </a:r>
-            <a:r>
-              <a:rPr lang="tr-TR" dirty="0" err="1">
-                <a:effectLst/>
-                <a:latin typeface="Calibri" panose="020F0502020204030204" pitchFamily="34" charset="0"/>
-                <a:ea typeface="Calibri" panose="020F0502020204030204" pitchFamily="34" charset="0"/>
-                <a:cs typeface="Times New Roman" panose="02020603050405020304" pitchFamily="18" charset="0"/>
-              </a:rPr>
-              <a:t>deserializing</a:t>
-            </a:r>
-            <a:r>
-              <a:rPr lang="tr-TR" dirty="0">
-                <a:effectLst/>
-                <a:latin typeface="Calibri" panose="020F0502020204030204" pitchFamily="34" charset="0"/>
-                <a:ea typeface="Calibri" panose="020F0502020204030204" pitchFamily="34" charset="0"/>
-                <a:cs typeface="Times New Roman" panose="02020603050405020304" pitchFamily="18" charset="0"/>
-              </a:rPr>
-              <a:t> </a:t>
-            </a:r>
-            <a:r>
-              <a:rPr lang="tr-TR" dirty="0" err="1">
-                <a:effectLst/>
-                <a:latin typeface="Calibri" panose="020F0502020204030204" pitchFamily="34" charset="0"/>
-                <a:ea typeface="Calibri" panose="020F0502020204030204" pitchFamily="34" charset="0"/>
-                <a:cs typeface="Times New Roman" panose="02020603050405020304" pitchFamily="18" charset="0"/>
-              </a:rPr>
-              <a:t>methods</a:t>
-            </a:r>
-            <a:r>
-              <a:rPr lang="tr-TR" dirty="0">
-                <a:effectLst/>
-                <a:latin typeface="Calibri" panose="020F0502020204030204" pitchFamily="34" charset="0"/>
-                <a:ea typeface="Calibri" panose="020F0502020204030204" pitchFamily="34" charset="0"/>
-                <a:cs typeface="Times New Roman" panose="02020603050405020304" pitchFamily="18" charset="0"/>
-              </a:rPr>
-              <a:t>. </a:t>
-            </a:r>
-            <a:endParaRPr lang="tr-TR" dirty="0"/>
           </a:p>
         </p:txBody>
       </p:sp>
@@ -10241,6 +8219,13 @@
           </a:bodyPr>
           <a:lstStyle/>
           <a:p>
+            <a:endParaRPr lang="tr-TR" dirty="0">
+              <a:effectLst/>
+              <a:latin typeface="+mj-lt"/>
+              <a:ea typeface="Calibri" panose="020F0502020204030204" pitchFamily="34" charset="0"/>
+            </a:endParaRPr>
+          </a:p>
+          <a:p>
             <a:r>
               <a:rPr lang="tr-TR" dirty="0">
                 <a:effectLst/>
@@ -10327,231 +8312,7 @@
                 <a:latin typeface="+mj-lt"/>
                 <a:ea typeface="Calibri" panose="020F0502020204030204" pitchFamily="34" charset="0"/>
               </a:rPr>
-              <a:t>() </a:t>
-            </a:r>
-            <a:r>
-              <a:rPr lang="tr-TR" dirty="0" err="1">
-                <a:effectLst/>
-                <a:latin typeface="+mj-lt"/>
-                <a:ea typeface="Calibri" panose="020F0502020204030204" pitchFamily="34" charset="0"/>
-              </a:rPr>
-              <a:t>have</a:t>
-            </a:r>
-            <a:r>
-              <a:rPr lang="tr-TR" dirty="0">
-                <a:effectLst/>
-                <a:latin typeface="+mj-lt"/>
-                <a:ea typeface="Calibri" panose="020F0502020204030204" pitchFamily="34" charset="0"/>
-              </a:rPr>
-              <a:t> </a:t>
-            </a:r>
-            <a:r>
-              <a:rPr lang="tr-TR" dirty="0" err="1">
-                <a:effectLst/>
-                <a:latin typeface="+mj-lt"/>
-                <a:ea typeface="Calibri" panose="020F0502020204030204" pitchFamily="34" charset="0"/>
-              </a:rPr>
-              <a:t>been</a:t>
-            </a:r>
-            <a:r>
-              <a:rPr lang="tr-TR" dirty="0">
-                <a:effectLst/>
-                <a:latin typeface="+mj-lt"/>
-                <a:ea typeface="Calibri" panose="020F0502020204030204" pitchFamily="34" charset="0"/>
-              </a:rPr>
-              <a:t> </a:t>
-            </a:r>
-            <a:r>
-              <a:rPr lang="tr-TR" dirty="0" err="1">
-                <a:effectLst/>
-                <a:latin typeface="+mj-lt"/>
-                <a:ea typeface="Calibri" panose="020F0502020204030204" pitchFamily="34" charset="0"/>
-              </a:rPr>
-              <a:t>implemented</a:t>
-            </a:r>
-            <a:r>
-              <a:rPr lang="tr-TR" dirty="0">
-                <a:effectLst/>
-                <a:latin typeface="+mj-lt"/>
-                <a:ea typeface="Calibri" panose="020F0502020204030204" pitchFamily="34" charset="0"/>
-              </a:rPr>
-              <a:t> inside </a:t>
-            </a:r>
-            <a:r>
-              <a:rPr lang="tr-TR" dirty="0" err="1">
-                <a:effectLst/>
-                <a:latin typeface="+mj-lt"/>
-                <a:ea typeface="Calibri" panose="020F0502020204030204" pitchFamily="34" charset="0"/>
-              </a:rPr>
-              <a:t>the</a:t>
-            </a:r>
-            <a:r>
-              <a:rPr lang="tr-TR" dirty="0">
-                <a:effectLst/>
-                <a:latin typeface="+mj-lt"/>
-                <a:ea typeface="Calibri" panose="020F0502020204030204" pitchFamily="34" charset="0"/>
-              </a:rPr>
-              <a:t> </a:t>
-            </a:r>
-            <a:r>
-              <a:rPr lang="tr-TR" dirty="0" err="1">
-                <a:effectLst/>
-                <a:latin typeface="+mj-lt"/>
-                <a:ea typeface="Calibri" panose="020F0502020204030204" pitchFamily="34" charset="0"/>
-              </a:rPr>
-              <a:t>classes</a:t>
-            </a:r>
-            <a:r>
-              <a:rPr lang="tr-TR" dirty="0">
-                <a:effectLst/>
-                <a:latin typeface="+mj-lt"/>
-                <a:ea typeface="Calibri" panose="020F0502020204030204" pitchFamily="34" charset="0"/>
-              </a:rPr>
-              <a:t> in </a:t>
-            </a:r>
-            <a:r>
-              <a:rPr lang="tr-TR" dirty="0" err="1">
-                <a:effectLst/>
-                <a:latin typeface="+mj-lt"/>
-                <a:ea typeface="Calibri" panose="020F0502020204030204" pitchFamily="34" charset="0"/>
-              </a:rPr>
-              <a:t>under</a:t>
-            </a:r>
-            <a:r>
-              <a:rPr lang="tr-TR" dirty="0">
-                <a:effectLst/>
-                <a:latin typeface="+mj-lt"/>
-                <a:ea typeface="Calibri" panose="020F0502020204030204" pitchFamily="34" charset="0"/>
-              </a:rPr>
-              <a:t> </a:t>
-            </a:r>
-            <a:r>
-              <a:rPr lang="tr-TR" dirty="0" err="1">
-                <a:effectLst/>
-                <a:latin typeface="+mj-lt"/>
-                <a:ea typeface="Calibri" panose="020F0502020204030204" pitchFamily="34" charset="0"/>
-              </a:rPr>
-              <a:t>NeoCortexApi</a:t>
-            </a:r>
-            <a:r>
-              <a:rPr lang="tr-TR" dirty="0">
-                <a:effectLst/>
-                <a:latin typeface="+mj-lt"/>
-                <a:ea typeface="Calibri" panose="020F0502020204030204" pitchFamily="34" charset="0"/>
-              </a:rPr>
-              <a:t> </a:t>
-            </a:r>
-            <a:r>
-              <a:rPr lang="tr-TR" dirty="0" err="1">
-                <a:effectLst/>
-                <a:latin typeface="+mj-lt"/>
-                <a:ea typeface="Calibri" panose="020F0502020204030204" pitchFamily="34" charset="0"/>
-              </a:rPr>
-              <a:t>directory</a:t>
-            </a:r>
-            <a:r>
-              <a:rPr lang="tr-TR" dirty="0">
-                <a:effectLst/>
-                <a:latin typeface="+mj-lt"/>
-                <a:ea typeface="Calibri" panose="020F0502020204030204" pitchFamily="34" charset="0"/>
-              </a:rPr>
-              <a:t> in HTM </a:t>
-            </a:r>
-            <a:r>
-              <a:rPr lang="tr-TR" dirty="0" err="1">
-                <a:effectLst/>
-                <a:latin typeface="+mj-lt"/>
-                <a:ea typeface="Calibri" panose="020F0502020204030204" pitchFamily="34" charset="0"/>
-              </a:rPr>
-              <a:t>and</a:t>
-            </a:r>
-            <a:r>
-              <a:rPr lang="tr-TR" dirty="0">
-                <a:effectLst/>
-                <a:latin typeface="+mj-lt"/>
-                <a:ea typeface="Calibri" panose="020F0502020204030204" pitchFamily="34" charset="0"/>
-              </a:rPr>
-              <a:t> they </a:t>
-            </a:r>
-            <a:r>
-              <a:rPr lang="tr-TR" dirty="0" err="1">
-                <a:effectLst/>
-                <a:latin typeface="+mj-lt"/>
-                <a:ea typeface="Calibri" panose="020F0502020204030204" pitchFamily="34" charset="0"/>
-              </a:rPr>
-              <a:t>are</a:t>
-            </a:r>
-            <a:r>
-              <a:rPr lang="tr-TR" dirty="0">
-                <a:effectLst/>
-                <a:latin typeface="+mj-lt"/>
-                <a:ea typeface="Calibri" panose="020F0502020204030204" pitchFamily="34" charset="0"/>
-              </a:rPr>
-              <a:t> </a:t>
-            </a:r>
-            <a:r>
-              <a:rPr lang="tr-TR" dirty="0" err="1">
-                <a:effectLst/>
-                <a:latin typeface="+mj-lt"/>
-                <a:ea typeface="Calibri" panose="020F0502020204030204" pitchFamily="34" charset="0"/>
-              </a:rPr>
-              <a:t>the</a:t>
-            </a:r>
-            <a:r>
-              <a:rPr lang="tr-TR" dirty="0">
-                <a:effectLst/>
-                <a:latin typeface="+mj-lt"/>
-                <a:ea typeface="Calibri" panose="020F0502020204030204" pitchFamily="34" charset="0"/>
-              </a:rPr>
-              <a:t> two main </a:t>
-            </a:r>
-            <a:r>
-              <a:rPr lang="tr-TR" dirty="0" err="1">
-                <a:effectLst/>
-                <a:latin typeface="+mj-lt"/>
-                <a:ea typeface="Calibri" panose="020F0502020204030204" pitchFamily="34" charset="0"/>
-              </a:rPr>
-              <a:t>methods</a:t>
-            </a:r>
-            <a:r>
-              <a:rPr lang="tr-TR" dirty="0">
-                <a:effectLst/>
-                <a:latin typeface="+mj-lt"/>
-                <a:ea typeface="Calibri" panose="020F0502020204030204" pitchFamily="34" charset="0"/>
-              </a:rPr>
-              <a:t> of </a:t>
-            </a:r>
-            <a:r>
-              <a:rPr lang="tr-TR" dirty="0" err="1">
-                <a:effectLst/>
-                <a:latin typeface="+mj-lt"/>
-                <a:ea typeface="Calibri" panose="020F0502020204030204" pitchFamily="34" charset="0"/>
-              </a:rPr>
-              <a:t>our</a:t>
-            </a:r>
-            <a:r>
-              <a:rPr lang="tr-TR" dirty="0">
-                <a:effectLst/>
-                <a:latin typeface="+mj-lt"/>
-                <a:ea typeface="Calibri" panose="020F0502020204030204" pitchFamily="34" charset="0"/>
-              </a:rPr>
-              <a:t> </a:t>
-            </a:r>
-            <a:r>
-              <a:rPr lang="tr-TR" dirty="0" err="1">
-                <a:effectLst/>
-                <a:latin typeface="+mj-lt"/>
-                <a:ea typeface="Calibri" panose="020F0502020204030204" pitchFamily="34" charset="0"/>
-              </a:rPr>
-              <a:t>project</a:t>
-            </a:r>
-            <a:r>
-              <a:rPr lang="tr-TR" dirty="0">
-                <a:effectLst/>
-                <a:latin typeface="+mj-lt"/>
-                <a:ea typeface="Calibri" panose="020F0502020204030204" pitchFamily="34" charset="0"/>
-              </a:rPr>
-              <a:t>.</a:t>
+              <a:t>().</a:t>
             </a:r>
           </a:p>
           <a:p>
